--- a/draft-gandhi-spring-twamp-srpm-09.pptx
+++ b/draft-gandhi-spring-twamp-srpm-09.pptx
@@ -260,7 +260,7 @@
           <a:p>
             <a:fld id="{E8FA3DB5-7722-3F4F-947D-12B203669AD7}" type="datetimeFigureOut">
               <a:rPr lang="en-US" smtClean="0"/>
-              <a:t>4/21/20</a:t>
+              <a:t>4/22/20</a:t>
             </a:fld>
             <a:endParaRPr lang="en-US"/>
           </a:p>
@@ -8793,7 +8793,7 @@
             </a:pPr>
             <a:r>
               <a:rPr lang="en-US" sz="1800" dirty="0"/>
-              <a:t>Destination addresses in IPv4 header (e.g. 127/8)</a:t>
+              <a:t>Destination address in IPv4 header (e.g. 127/8)</a:t>
             </a:r>
           </a:p>
           <a:p>

--- a/draft-gandhi-spring-twamp-srpm-09.pptx
+++ b/draft-gandhi-spring-twamp-srpm-09.pptx
@@ -8793,7 +8793,7 @@
             </a:pPr>
             <a:r>
               <a:rPr lang="en-US" sz="1800" dirty="0"/>
-              <a:t>Destination address in IPv4 header (e.g. 127/8)</a:t>
+              <a:t>Sweeping destination address in IPv4 header (e.g. 127/8)</a:t>
             </a:r>
           </a:p>
           <a:p>
@@ -8821,7 +8821,7 @@
             </a:pPr>
             <a:r>
               <a:rPr lang="en-US" sz="1800" dirty="0"/>
-              <a:t>Flow label in IPv6 header</a:t>
+              <a:t>Sweeping flow label in IPv6 header</a:t>
             </a:r>
           </a:p>
         </p:txBody>

--- a/draft-gandhi-spring-twamp-srpm-09.pptx
+++ b/draft-gandhi-spring-twamp-srpm-09.pptx
@@ -260,7 +260,7 @@
           <a:p>
             <a:fld id="{E8FA3DB5-7722-3F4F-947D-12B203669AD7}" type="datetimeFigureOut">
               <a:rPr lang="en-US" smtClean="0"/>
-              <a:t>4/22/20</a:t>
+              <a:t>5/7/20</a:t>
             </a:fld>
             <a:endParaRPr lang="en-US"/>
           </a:p>
@@ -5919,7 +5919,7 @@
             </a:r>
             <a:r>
               <a:rPr lang="en-US" sz="1600" dirty="0"/>
-              <a:t> is used for DM probe messages in unauthenticated mode and </a:t>
+              <a:t> is used for DM probe messages and </a:t>
             </a:r>
             <a:r>
               <a:rPr lang="en-US" sz="1600" b="1" dirty="0"/>
@@ -5927,7 +5927,7 @@
             </a:r>
             <a:r>
               <a:rPr lang="en-US" sz="1600" dirty="0"/>
-              <a:t> is used for LM probe messages in unauthenticated mode.</a:t>
+              <a:t> is used for LM probe messages, both in unauthenticated mode.</a:t>
             </a:r>
           </a:p>
         </p:txBody>
@@ -9537,7 +9537,7 @@
             </a:pPr>
             <a:r>
               <a:rPr lang="en-US" sz="1400" dirty="0"/>
-              <a:t>RFC 5357 (TWAMP) defined probe messages - TWAMP Light</a:t>
+              <a:t>RFC 5357 (TWAMP Light) defined probe messages</a:t>
             </a:r>
           </a:p>
           <a:p>
@@ -9819,7 +9819,7 @@
           <a:p>
             <a:pPr lvl="1"/>
             <a:r>
-              <a:rPr lang="en-US" sz="1100" b="1" dirty="0"/>
+              <a:rPr lang="en-US" sz="1100" dirty="0"/>
               <a:t>SPRING Chairs announced in the meeting the agreement with IPPM chairs to progress the draft in SPRING WG</a:t>
             </a:r>
           </a:p>

--- a/draft-gandhi-spring-twamp-srpm-09.pptx
+++ b/draft-gandhi-spring-twamp-srpm-09.pptx
@@ -6951,7 +6951,7 @@
                 <a:ea typeface="Courier" charset="0"/>
                 <a:cs typeface="Courier" charset="0"/>
               </a:rPr>
-              <a:t>.  Destination IP Address = Reflector IPv6 Address              .</a:t>
+              <a:t>.  Destination IP Address = Next Hop IPv6 Address               .</a:t>
             </a:r>
           </a:p>
           <a:p>
@@ -7464,7 +7464,7 @@
                 <a:latin typeface="Courier" pitchFamily="2" charset="0"/>
                 <a:cs typeface="Courier New" panose="02070309020205020404" pitchFamily="49" charset="0"/>
               </a:rPr>
-              <a:t>    | DM Payload as specified in Section 4.2.1 of RFC 5357, or      |</a:t>
+              <a:t>    | Payload = DM Message specified in Section 4.2.1 of RFC 5357 | |</a:t>
             </a:r>
           </a:p>
           <a:p>
@@ -7473,7 +7473,7 @@
                 <a:latin typeface="Courier" pitchFamily="2" charset="0"/>
                 <a:cs typeface="Courier New" panose="02070309020205020404" pitchFamily="49" charset="0"/>
               </a:rPr>
-              <a:t>    . LM Payload as specified in this document                      .</a:t>
+              <a:t>    . Payload = LM Message specified in this document               .</a:t>
             </a:r>
           </a:p>
           <a:p>

--- a/draft-gandhi-spring-twamp-srpm-09.pptx
+++ b/draft-gandhi-spring-twamp-srpm-09.pptx
@@ -260,7 +260,7 @@
           <a:p>
             <a:fld id="{E8FA3DB5-7722-3F4F-947D-12B203669AD7}" type="datetimeFigureOut">
               <a:rPr lang="en-US" smtClean="0"/>
-              <a:t>5/7/20</a:t>
+              <a:t>5/8/20</a:t>
             </a:fld>
             <a:endParaRPr lang="en-US"/>
           </a:p>
@@ -6406,7 +6406,7 @@
         <p:spPr>
           <a:xfrm>
             <a:off x="4267200" y="87235"/>
-            <a:ext cx="4125764" cy="1938992"/>
+            <a:ext cx="3962400" cy="1823576"/>
           </a:xfrm>
           <a:prstGeom prst="rect">
             <a:avLst/>
@@ -6430,7 +6430,7 @@
                 <a:ea typeface="Courier" charset="0"/>
                 <a:cs typeface="Courier" charset="0"/>
               </a:rPr>
-              <a:t>0                   1                   2                   3</a:t>
+              <a:t>0 1 2 3 4 5 6 7 8 9 0 1 2 3 4 5 6 7 8 9 0 1 2 3 4 5 6 7 8 9 0 1</a:t>
             </a:r>
           </a:p>
           <a:p>
@@ -6440,7 +6440,7 @@
                 <a:ea typeface="Courier" charset="0"/>
                 <a:cs typeface="Courier" charset="0"/>
               </a:rPr>
-              <a:t>0 1 2 3 4 5 6 7 8 9 0 1 2 3 4 5 6 7 8 9 0 1 2 3 4 5 6 7 8 9 0 1</a:t>
+              <a:t>+-+-+-+-+-+-+-+-+-+-+-+-+-+-+-+-+-+-+-+-+-+-+-+-+-+-+-+-+-+-+-+-+</a:t>
             </a:r>
           </a:p>
           <a:p>
@@ -6450,7 +6450,7 @@
                 <a:ea typeface="Courier" charset="0"/>
                 <a:cs typeface="Courier" charset="0"/>
               </a:rPr>
-              <a:t>+-+-+-+-+-+-+-+-+-+-+-+-+-+-+-+-+-+-+-+-+-+-+-+-+-+-+-+-+-+-+-+-+</a:t>
+              <a:t>|              Segment(1)               | TC  |S|      TTL      |</a:t>
             </a:r>
           </a:p>
           <a:p>
@@ -6460,7 +6460,7 @@
                 <a:ea typeface="Courier" charset="0"/>
                 <a:cs typeface="Courier" charset="0"/>
               </a:rPr>
-              <a:t>|              Segment(1)               | TC  |S|      TTL      |</a:t>
+              <a:t>+-+-+-+-+-+-+-+-+-+-+-+-+-+-+-+-+-+-+-+-+-+-+-+-+-+-+-+-+-+-+-+-+</a:t>
             </a:r>
           </a:p>
           <a:p>
@@ -6470,7 +6470,7 @@
                 <a:ea typeface="Courier" charset="0"/>
                 <a:cs typeface="Courier" charset="0"/>
               </a:rPr>
-              <a:t>+-+-+-+-+-+-+-+-+-+-+-+-+-+-+-+-+-+-+-+-+-+-+-+-+-+-+-+-+-+-+-+-+</a:t>
+              <a:t>.                                                               .</a:t>
             </a:r>
           </a:p>
           <a:p>
@@ -6500,7 +6500,7 @@
                 <a:ea typeface="Courier" charset="0"/>
                 <a:cs typeface="Courier" charset="0"/>
               </a:rPr>
-              <a:t>.                                                               .</a:t>
+              <a:t>+-+-+-+-+-+-+-+-+-+-+-+-+-+-+-+-+-+-+-+-+-+-+-+-+-+-+-+-+-+-+-+-+</a:t>
             </a:r>
           </a:p>
           <a:p>
@@ -6510,7 +6510,7 @@
                 <a:ea typeface="Courier" charset="0"/>
                 <a:cs typeface="Courier" charset="0"/>
               </a:rPr>
-              <a:t>+-+-+-+-+-+-+-+-+-+-+-+-+-+-+-+-+-+-+-+-+-+-+-+-+-+-+-+-+-+-+-+-+</a:t>
+              <a:t>|              Segment(n)               | TC  |S|      TTL      |</a:t>
             </a:r>
           </a:p>
           <a:p>
@@ -6520,7 +6520,7 @@
                 <a:ea typeface="Courier" charset="0"/>
                 <a:cs typeface="Courier" charset="0"/>
               </a:rPr>
-              <a:t>|              Segment(n)               | TC  |S|      TTL      |</a:t>
+              <a:t>+-+-+-+-+-+-+-+-+-+-+-+-+-+-+-+-+-+-+-+-+-+-+-+-+-+-+-+-+-+-+-+-+</a:t>
             </a:r>
           </a:p>
           <a:p>
@@ -6530,17 +6530,7 @@
                 <a:ea typeface="Courier" charset="0"/>
                 <a:cs typeface="Courier" charset="0"/>
               </a:rPr>
-              <a:t>+-+-+-+-+-+-+-+-+-+-+-+-+-+-+-+-+-+-+-+-+-+-+-+-+-+-+-+-+-+-+-+-+</a:t>
-            </a:r>
-          </a:p>
-          <a:p>
-            <a:r>
-              <a:rPr lang="en-US" sz="750" dirty="0">
-                <a:latin typeface="Courier" charset="0"/>
-                <a:ea typeface="Courier" charset="0"/>
-                <a:cs typeface="Courier" charset="0"/>
-              </a:rPr>
-              <a:t>|   Message for DM or LM Query with IP/UDP Header               |</a:t>
+              <a:t>|  DM or LM Query Message including IP/UDP Header               |</a:t>
             </a:r>
           </a:p>
           <a:p>
@@ -6780,7 +6770,7 @@
             </a:r>
             <a:r>
               <a:rPr lang="en-US" sz="1600" dirty="0"/>
-              <a:t>performance delay/loss measurement of SR Policy, the probe query messages are sent on the SR Policy path with:</a:t>
+              <a:t>performance delay/loss measurement of SR Policy, the probe query message is sent on the SR Policy with:</a:t>
             </a:r>
           </a:p>
           <a:p>
@@ -6856,8 +6846,8 @@
         </p:nvSpPr>
         <p:spPr>
           <a:xfrm>
-            <a:off x="4267200" y="2105737"/>
-            <a:ext cx="4125764" cy="2862322"/>
+            <a:off x="4267200" y="1973509"/>
+            <a:ext cx="3962400" cy="3067598"/>
           </a:xfrm>
           <a:prstGeom prst="rect">
             <a:avLst/>
@@ -6881,7 +6871,97 @@
                 <a:ea typeface="Courier" charset="0"/>
                 <a:cs typeface="Courier" charset="0"/>
               </a:rPr>
-              <a:t>0                   1                   2                   3</a:t>
+              <a:t>0 1 2 3 4 5 6 7 8 9 0 1 2 3 4 5 6 7 8 9 0 1 2 3 4 5 6 7 8 9 0 1</a:t>
+            </a:r>
+          </a:p>
+          <a:p>
+            <a:pPr>
+              <a:spcAft>
+                <a:spcPts val="0"/>
+              </a:spcAft>
+            </a:pPr>
+            <a:r>
+              <a:rPr lang="en-US" sz="750" dirty="0">
+                <a:latin typeface="Courier" pitchFamily="2" charset="0"/>
+                <a:ea typeface="Courier" charset="0"/>
+                <a:cs typeface="Courier" charset="0"/>
+              </a:rPr>
+              <a:t>+---------------------------------------------------------------+</a:t>
+            </a:r>
+          </a:p>
+          <a:p>
+            <a:pPr>
+              <a:spcAft>
+                <a:spcPts val="0"/>
+              </a:spcAft>
+            </a:pPr>
+            <a:r>
+              <a:rPr lang="en-US" sz="750" dirty="0">
+                <a:latin typeface="Courier" pitchFamily="2" charset="0"/>
+                <a:ea typeface="Courier" charset="0"/>
+                <a:cs typeface="Courier" charset="0"/>
+              </a:rPr>
+              <a:t>| IP Header                                                     |</a:t>
+            </a:r>
+          </a:p>
+          <a:p>
+            <a:pPr>
+              <a:spcAft>
+                <a:spcPts val="0"/>
+              </a:spcAft>
+            </a:pPr>
+            <a:r>
+              <a:rPr lang="en-US" sz="750" dirty="0">
+                <a:latin typeface="Courier" pitchFamily="2" charset="0"/>
+                <a:ea typeface="Courier" charset="0"/>
+                <a:cs typeface="Courier" charset="0"/>
+              </a:rPr>
+              <a:t>.  Source IP Address = Sender IPv6 Address                      .</a:t>
+            </a:r>
+          </a:p>
+          <a:p>
+            <a:pPr>
+              <a:spcAft>
+                <a:spcPts val="0"/>
+              </a:spcAft>
+            </a:pPr>
+            <a:r>
+              <a:rPr lang="en-US" sz="750" dirty="0">
+                <a:latin typeface="Courier" pitchFamily="2" charset="0"/>
+                <a:ea typeface="Courier" charset="0"/>
+                <a:cs typeface="Courier" charset="0"/>
+              </a:rPr>
+              <a:t>.  Destination IP Address = Next Hop IPv6 Address               .</a:t>
+            </a:r>
+          </a:p>
+          <a:p>
+            <a:pPr>
+              <a:spcAft>
+                <a:spcPts val="0"/>
+              </a:spcAft>
+            </a:pPr>
+            <a:r>
+              <a:rPr lang="en-US" sz="750" dirty="0">
+                <a:latin typeface="Courier" pitchFamily="2" charset="0"/>
+                <a:ea typeface="Courier" charset="0"/>
+                <a:cs typeface="Courier" charset="0"/>
+              </a:rPr>
+              <a:t>.                                                               .</a:t>
+            </a:r>
+          </a:p>
+          <a:p>
+            <a:pPr>
+              <a:spcAft>
+                <a:spcPts val="0"/>
+              </a:spcAft>
+            </a:pPr>
+            <a:r>
+              <a:rPr lang="en-US" sz="750" dirty="0">
+                <a:latin typeface="Courier" pitchFamily="2" charset="0"/>
+                <a:ea typeface="Courier" charset="0"/>
+                <a:cs typeface="Courier" charset="0"/>
+              </a:rPr>
+              <a:t>+---------------------------------------------------------------+</a:t>
             </a:r>
           </a:p>
           <a:p>
@@ -6891,115 +6971,7 @@
                 <a:ea typeface="Courier" charset="0"/>
                 <a:cs typeface="Courier" charset="0"/>
               </a:rPr>
-              <a:t>0 1 2 3 4 5 6 7 8 9 0 1 2 3 4 5 6 7 8 9 0 1 2 3 4 5 6 7 8 9 0 1</a:t>
-            </a:r>
-          </a:p>
-          <a:p>
-            <a:pPr>
-              <a:spcAft>
-                <a:spcPts val="0"/>
-              </a:spcAft>
-            </a:pPr>
-            <a:r>
-              <a:rPr lang="en-US" sz="750" dirty="0">
-                <a:latin typeface="Courier" pitchFamily="2" charset="0"/>
-                <a:ea typeface="Courier" charset="0"/>
-                <a:cs typeface="Courier" charset="0"/>
-              </a:rPr>
-              <a:t>+---------------------------------------------------------------+</a:t>
-            </a:r>
-          </a:p>
-          <a:p>
-            <a:pPr>
-              <a:spcAft>
-                <a:spcPts val="0"/>
-              </a:spcAft>
-            </a:pPr>
-            <a:r>
-              <a:rPr lang="en-US" sz="750" dirty="0">
-                <a:latin typeface="Courier" pitchFamily="2" charset="0"/>
-                <a:ea typeface="Courier" charset="0"/>
-                <a:cs typeface="Courier" charset="0"/>
-              </a:rPr>
-              <a:t>| IP Header                                                     |</a:t>
-            </a:r>
-          </a:p>
-          <a:p>
-            <a:pPr>
-              <a:spcAft>
-                <a:spcPts val="0"/>
-              </a:spcAft>
-            </a:pPr>
-            <a:r>
-              <a:rPr lang="en-US" sz="750" dirty="0">
-                <a:latin typeface="Courier" pitchFamily="2" charset="0"/>
-                <a:ea typeface="Courier" charset="0"/>
-                <a:cs typeface="Courier" charset="0"/>
-              </a:rPr>
-              <a:t>.  Source IP Address = Sender IPv6 Address                      .</a:t>
-            </a:r>
-          </a:p>
-          <a:p>
-            <a:pPr>
-              <a:spcAft>
-                <a:spcPts val="0"/>
-              </a:spcAft>
-            </a:pPr>
-            <a:r>
-              <a:rPr lang="en-US" sz="750" dirty="0">
-                <a:latin typeface="Courier" pitchFamily="2" charset="0"/>
-                <a:ea typeface="Courier" charset="0"/>
-                <a:cs typeface="Courier" charset="0"/>
-              </a:rPr>
-              <a:t>.  Destination IP Address = Next Hop IPv6 Address               .</a:t>
-            </a:r>
-          </a:p>
-          <a:p>
-            <a:pPr>
-              <a:spcAft>
-                <a:spcPts val="0"/>
-              </a:spcAft>
-            </a:pPr>
-            <a:r>
-              <a:rPr lang="en-CA" sz="750" dirty="0">
-                <a:latin typeface="Courier" pitchFamily="2" charset="0"/>
-              </a:rPr>
-              <a:t>.  Next Header = 43 (Routing Header)                            .</a:t>
-            </a:r>
-            <a:endParaRPr lang="en-US" sz="750" dirty="0">
-              <a:latin typeface="Courier" pitchFamily="2" charset="0"/>
-              <a:ea typeface="Courier" charset="0"/>
-              <a:cs typeface="Courier" charset="0"/>
-            </a:endParaRPr>
-          </a:p>
-          <a:p>
-            <a:pPr>
-              <a:spcAft>
-                <a:spcPts val="0"/>
-              </a:spcAft>
-            </a:pPr>
-            <a:r>
-              <a:rPr lang="en-US" sz="750" dirty="0">
-                <a:latin typeface="Courier" pitchFamily="2" charset="0"/>
-                <a:ea typeface="Courier" charset="0"/>
-                <a:cs typeface="Courier" charset="0"/>
-              </a:rPr>
-              <a:t>.                                                               .</a:t>
-            </a:r>
-          </a:p>
-          <a:p>
-            <a:pPr>
-              <a:spcAft>
-                <a:spcPts val="0"/>
-              </a:spcAft>
-            </a:pPr>
-            <a:r>
-              <a:rPr lang="en-US" sz="750" dirty="0">
-                <a:latin typeface="Courier" pitchFamily="2" charset="0"/>
-                <a:ea typeface="Courier" charset="0"/>
-                <a:cs typeface="Courier" charset="0"/>
-              </a:rPr>
-              <a:t>+---------------------------------------------------------------+</a:t>
+              <a:t>| SRH as specified in RFC 8754                                  |</a:t>
             </a:r>
           </a:p>
           <a:p>
@@ -7009,7 +6981,7 @@
                 <a:ea typeface="Courier" charset="0"/>
                 <a:cs typeface="Courier" charset="0"/>
               </a:rPr>
-              <a:t>| SRH                                                           |</a:t>
+              <a:t>.  &lt;SID List&gt;                                                   .</a:t>
             </a:r>
           </a:p>
           <a:p>
@@ -7019,15 +6991,192 @@
                 <a:ea typeface="Courier" charset="0"/>
                 <a:cs typeface="Courier" charset="0"/>
               </a:rPr>
-              <a:t>. &lt;SID List&gt;                                                    .</a:t>
-            </a:r>
-          </a:p>
-          <a:p>
-            <a:r>
-              <a:rPr lang="en-CA" sz="750" dirty="0">
-                <a:latin typeface="Courier" pitchFamily="2" charset="0"/>
-              </a:rPr>
-              <a:t>.  Next Header = 17 (UDP)                                      .</a:t>
+              <a:t>.                                                               .</a:t>
+            </a:r>
+          </a:p>
+          <a:p>
+            <a:pPr>
+              <a:spcAft>
+                <a:spcPts val="0"/>
+              </a:spcAft>
+            </a:pPr>
+            <a:r>
+              <a:rPr lang="en-US" sz="750" dirty="0">
+                <a:latin typeface="Courier" pitchFamily="2" charset="0"/>
+                <a:ea typeface="Courier" charset="0"/>
+                <a:cs typeface="Courier" charset="0"/>
+              </a:rPr>
+              <a:t>+---------------------------------------------------------------+</a:t>
+            </a:r>
+          </a:p>
+          <a:p>
+            <a:pPr>
+              <a:spcAft>
+                <a:spcPts val="0"/>
+              </a:spcAft>
+            </a:pPr>
+            <a:r>
+              <a:rPr lang="en-US" sz="750" dirty="0">
+                <a:latin typeface="Courier" pitchFamily="2" charset="0"/>
+                <a:ea typeface="Courier" charset="0"/>
+                <a:cs typeface="Courier" charset="0"/>
+              </a:rPr>
+              <a:t>| IP Header (Optional)                                          |</a:t>
+            </a:r>
+          </a:p>
+          <a:p>
+            <a:pPr>
+              <a:spcAft>
+                <a:spcPts val="0"/>
+              </a:spcAft>
+            </a:pPr>
+            <a:r>
+              <a:rPr lang="en-US" sz="750" dirty="0">
+                <a:latin typeface="Courier" pitchFamily="2" charset="0"/>
+                <a:ea typeface="Courier" charset="0"/>
+                <a:cs typeface="Courier" charset="0"/>
+              </a:rPr>
+              <a:t>.  Source IP Address = Sender IPv6 Address                      .</a:t>
+            </a:r>
+          </a:p>
+          <a:p>
+            <a:pPr>
+              <a:spcAft>
+                <a:spcPts val="0"/>
+              </a:spcAft>
+            </a:pPr>
+            <a:r>
+              <a:rPr lang="en-US" sz="750" dirty="0">
+                <a:latin typeface="Courier" pitchFamily="2" charset="0"/>
+                <a:ea typeface="Courier" charset="0"/>
+                <a:cs typeface="Courier" charset="0"/>
+              </a:rPr>
+              <a:t>.  Destination IP Address = </a:t>
+            </a:r>
+            <a:r>
+              <a:rPr lang="en-US" sz="750" b="1" dirty="0">
+                <a:latin typeface="Courier" pitchFamily="2" charset="0"/>
+                <a:ea typeface="Courier" charset="0"/>
+                <a:cs typeface="Courier" charset="0"/>
+              </a:rPr>
+              <a:t>Reflector</a:t>
+            </a:r>
+            <a:r>
+              <a:rPr lang="en-US" sz="750" dirty="0">
+                <a:latin typeface="Courier" pitchFamily="2" charset="0"/>
+                <a:ea typeface="Courier" charset="0"/>
+                <a:cs typeface="Courier" charset="0"/>
+              </a:rPr>
+              <a:t> IPv6 Address               .</a:t>
+            </a:r>
+          </a:p>
+          <a:p>
+            <a:pPr>
+              <a:spcAft>
+                <a:spcPts val="0"/>
+              </a:spcAft>
+            </a:pPr>
+            <a:r>
+              <a:rPr lang="en-US" sz="750" dirty="0">
+                <a:latin typeface="Courier" pitchFamily="2" charset="0"/>
+                <a:ea typeface="Courier" charset="0"/>
+                <a:cs typeface="Courier" charset="0"/>
+              </a:rPr>
+              <a:t>.                                                               .</a:t>
+            </a:r>
+          </a:p>
+          <a:p>
+            <a:pPr>
+              <a:spcAft>
+                <a:spcPts val="0"/>
+              </a:spcAft>
+            </a:pPr>
+            <a:r>
+              <a:rPr lang="en-US" sz="750" dirty="0">
+                <a:latin typeface="Courier" pitchFamily="2" charset="0"/>
+                <a:ea typeface="Courier" charset="0"/>
+                <a:cs typeface="Courier" charset="0"/>
+              </a:rPr>
+              <a:t>+---------------------------------------------------------------+</a:t>
+            </a:r>
+          </a:p>
+          <a:p>
+            <a:pPr>
+              <a:spcAft>
+                <a:spcPts val="0"/>
+              </a:spcAft>
+            </a:pPr>
+            <a:r>
+              <a:rPr lang="en-US" sz="750" dirty="0">
+                <a:latin typeface="Courier" pitchFamily="2" charset="0"/>
+                <a:ea typeface="Courier" charset="0"/>
+                <a:cs typeface="Courier" charset="0"/>
+              </a:rPr>
+              <a:t>| UDP Header                                                    |</a:t>
+            </a:r>
+          </a:p>
+          <a:p>
+            <a:pPr>
+              <a:spcAft>
+                <a:spcPts val="0"/>
+              </a:spcAft>
+            </a:pPr>
+            <a:r>
+              <a:rPr lang="en-US" sz="750" dirty="0">
+                <a:latin typeface="Courier" pitchFamily="2" charset="0"/>
+                <a:ea typeface="Courier" charset="0"/>
+                <a:cs typeface="Courier" charset="0"/>
+              </a:rPr>
+              <a:t>.  Source Port = As chosen by Sender                            .</a:t>
+            </a:r>
+          </a:p>
+          <a:p>
+            <a:pPr>
+              <a:spcAft>
+                <a:spcPts val="0"/>
+              </a:spcAft>
+            </a:pPr>
+            <a:r>
+              <a:rPr lang="en-US" sz="750" dirty="0">
+                <a:latin typeface="Courier" pitchFamily="2" charset="0"/>
+                <a:ea typeface="Courier" charset="0"/>
+                <a:cs typeface="Courier" charset="0"/>
+              </a:rPr>
+              <a:t>.  Destination Port = </a:t>
+            </a:r>
+            <a:r>
+              <a:rPr lang="en-US" sz="750" dirty="0">
+                <a:solidFill>
+                  <a:srgbClr val="0070C0"/>
+                </a:solidFill>
+                <a:latin typeface="Courier" pitchFamily="2" charset="0"/>
+                <a:ea typeface="Courier" charset="0"/>
+                <a:cs typeface="Courier" charset="0"/>
+              </a:rPr>
+              <a:t>User-configured Port                      </a:t>
+            </a:r>
+            <a:r>
+              <a:rPr lang="en-US" sz="750" dirty="0">
+                <a:latin typeface="Courier" pitchFamily="2" charset="0"/>
+                <a:ea typeface="Courier" charset="0"/>
+                <a:cs typeface="Courier" charset="0"/>
+              </a:rPr>
+              <a:t>.</a:t>
+            </a:r>
+          </a:p>
+          <a:p>
+            <a:pPr>
+              <a:spcAft>
+                <a:spcPts val="0"/>
+              </a:spcAft>
+            </a:pPr>
+            <a:r>
+              <a:rPr lang="en-US" sz="750" dirty="0">
+                <a:latin typeface="Courier" pitchFamily="2" charset="0"/>
+                <a:ea typeface="Courier" charset="0"/>
+                <a:cs typeface="Courier" charset="0"/>
+              </a:rPr>
+              <a:t>.                                                               .</a:t>
             </a:r>
           </a:p>
           <a:p>
@@ -7037,101 +7186,7 @@
                 <a:ea typeface="Courier" charset="0"/>
                 <a:cs typeface="Courier" charset="0"/>
               </a:rPr>
-              <a:t>.                                                               .</a:t>
-            </a:r>
-          </a:p>
-          <a:p>
-            <a:pPr>
-              <a:spcAft>
-                <a:spcPts val="0"/>
-              </a:spcAft>
-            </a:pPr>
-            <a:r>
-              <a:rPr lang="en-US" sz="750" dirty="0">
-                <a:latin typeface="Courier" pitchFamily="2" charset="0"/>
-                <a:ea typeface="Courier" charset="0"/>
-                <a:cs typeface="Courier" charset="0"/>
-              </a:rPr>
-              <a:t>+---------------------------------------------------------------+</a:t>
-            </a:r>
-          </a:p>
-          <a:p>
-            <a:pPr>
-              <a:spcAft>
-                <a:spcPts val="0"/>
-              </a:spcAft>
-            </a:pPr>
-            <a:r>
-              <a:rPr lang="en-US" sz="750" dirty="0">
-                <a:latin typeface="Courier" pitchFamily="2" charset="0"/>
-                <a:ea typeface="Courier" charset="0"/>
-                <a:cs typeface="Courier" charset="0"/>
-              </a:rPr>
-              <a:t>| UDP Header                                                    |</a:t>
-            </a:r>
-          </a:p>
-          <a:p>
-            <a:pPr>
-              <a:spcAft>
-                <a:spcPts val="0"/>
-              </a:spcAft>
-            </a:pPr>
-            <a:r>
-              <a:rPr lang="en-US" sz="750" dirty="0">
-                <a:latin typeface="Courier" pitchFamily="2" charset="0"/>
-                <a:ea typeface="Courier" charset="0"/>
-                <a:cs typeface="Courier" charset="0"/>
-              </a:rPr>
-              <a:t>.  Source Port = As chosen by Sender                            .</a:t>
-            </a:r>
-          </a:p>
-          <a:p>
-            <a:pPr>
-              <a:spcAft>
-                <a:spcPts val="0"/>
-              </a:spcAft>
-            </a:pPr>
-            <a:r>
-              <a:rPr lang="en-US" sz="750" dirty="0">
-                <a:latin typeface="Courier" pitchFamily="2" charset="0"/>
-                <a:ea typeface="Courier" charset="0"/>
-                <a:cs typeface="Courier" charset="0"/>
-              </a:rPr>
-              <a:t>.  Destination Port = </a:t>
-            </a:r>
-            <a:r>
-              <a:rPr lang="en-US" sz="750" dirty="0">
-                <a:solidFill>
-                  <a:srgbClr val="0070C0"/>
-                </a:solidFill>
-                <a:latin typeface="Courier" pitchFamily="2" charset="0"/>
-                <a:ea typeface="Courier" charset="0"/>
-                <a:cs typeface="Courier" charset="0"/>
-              </a:rPr>
-              <a:t>User-configured Port                      </a:t>
-            </a:r>
-            <a:r>
-              <a:rPr lang="en-US" sz="750" dirty="0">
-                <a:latin typeface="Courier" pitchFamily="2" charset="0"/>
-                <a:ea typeface="Courier" charset="0"/>
-                <a:cs typeface="Courier" charset="0"/>
-              </a:rPr>
-              <a:t>.</a:t>
-            </a:r>
-          </a:p>
-          <a:p>
-            <a:pPr>
-              <a:spcAft>
-                <a:spcPts val="0"/>
-              </a:spcAft>
-            </a:pPr>
-            <a:r>
-              <a:rPr lang="en-US" sz="750" dirty="0">
-                <a:latin typeface="Courier" pitchFamily="2" charset="0"/>
-                <a:ea typeface="Courier" charset="0"/>
-                <a:cs typeface="Courier" charset="0"/>
-              </a:rPr>
-              <a:t>.                                                               .</a:t>
+              <a:t>+-+-+-+-+-+-+-+-+-+-+-+-+-+-+-+-+-+-+-+-+-+-+-+-+-+-+-+-+-+-+-+-+</a:t>
             </a:r>
           </a:p>
           <a:p>
@@ -7141,17 +7196,7 @@
                 <a:ea typeface="Courier" charset="0"/>
                 <a:cs typeface="Courier" charset="0"/>
               </a:rPr>
-              <a:t>+-+-+-+-+-+-+-+-+-+-+-+-+-+-+-+-+-+-+-+-+-+-+-+-+-+-+-+-+-+-+-+-+</a:t>
-            </a:r>
-          </a:p>
-          <a:p>
-            <a:r>
-              <a:rPr lang="en-US" sz="750" dirty="0">
-                <a:latin typeface="Courier" charset="0"/>
-                <a:ea typeface="Courier" charset="0"/>
-                <a:cs typeface="Courier" charset="0"/>
-              </a:rPr>
-              <a:t>|  Message for DM or LM Query                                   |</a:t>
+              <a:t>|  Payload = DM or LM Query Message                             |</a:t>
             </a:r>
           </a:p>
           <a:p>

--- a/draft-gandhi-spring-twamp-srpm-09.pptx
+++ b/draft-gandhi-spring-twamp-srpm-09.pptx
@@ -11066,6 +11066,46 @@
               <a:rPr lang="en-US" sz="1800" dirty="0"/>
               <a:t>Probe message carries the return path in the header of the packet</a:t>
             </a:r>
+          </a:p>
+        </p:txBody>
+      </p:sp>
+      <p:sp>
+        <p:nvSpPr>
+          <p:cNvPr id="5" name="Slide Number Placeholder 4">
+            <a:extLst>
+              <a:ext uri="{FF2B5EF4-FFF2-40B4-BE49-F238E27FC236}">
+                <a16:creationId xmlns:a16="http://schemas.microsoft.com/office/drawing/2014/main" id="{EADC828B-4CBA-294F-B5C1-81EAE6971A7D}"/>
+              </a:ext>
+            </a:extLst>
+          </p:cNvPr>
+          <p:cNvSpPr>
+            <a:spLocks noGrp="1"/>
+          </p:cNvSpPr>
+          <p:nvPr>
+            <p:ph type="sldNum" sz="quarter" idx="12"/>
+          </p:nvPr>
+        </p:nvSpPr>
+        <p:spPr>
+          <a:xfrm>
+            <a:off x="6553200" y="4683919"/>
+            <a:ext cx="2133600" cy="357188"/>
+          </a:xfrm>
+        </p:spPr>
+        <p:txBody>
+          <a:bodyPr/>
+          <a:lstStyle/>
+          <a:p>
+            <a:pPr>
+              <a:defRPr/>
+            </a:pPr>
+            <a:fld id="{BD6E0F59-1DD8-40FC-9C92-B6295CBA6CCA}" type="slidenum">
+              <a:rPr lang="en-US" altLang="zh-CN" smtClean="0"/>
+              <a:pPr>
+                <a:defRPr/>
+              </a:pPr>
+              <a:t>7</a:t>
+            </a:fld>
+            <a:endParaRPr lang="en-US" altLang="zh-CN" dirty="0"/>
           </a:p>
         </p:txBody>
       </p:sp>

--- a/draft-gandhi-spring-twamp-srpm-09.pptx
+++ b/draft-gandhi-spring-twamp-srpm-09.pptx
@@ -10146,6 +10146,25 @@
             </a:pPr>
             <a:r>
               <a:rPr lang="en-US" sz="1600" dirty="0"/>
+              <a:t>Moved Loopback mode to a new draft </a:t>
+            </a:r>
+            <a:r>
+              <a:rPr lang="en-US" sz="1600"/>
+              <a:t>- </a:t>
+            </a:r>
+            <a:r>
+              <a:rPr lang="en-US" sz="1600" i="1"/>
+              <a:t>draft-gandhi-spring-sr-enhanced-plm-00</a:t>
+            </a:r>
+            <a:endParaRPr lang="en-US" sz="1600" dirty="0"/>
+          </a:p>
+          <a:p>
+            <a:pPr marL="800100" lvl="1" indent="-342900">
+              <a:buFont typeface="+mj-lt"/>
+              <a:buAutoNum type="arabicPeriod"/>
+            </a:pPr>
+            <a:r>
+              <a:rPr lang="en-US" sz="1600" dirty="0"/>
               <a:t>Various editorial changes 	</a:t>
             </a:r>
           </a:p>
@@ -10962,8 +10981,8 @@
         </p:nvSpPr>
         <p:spPr>
           <a:xfrm>
-            <a:off x="457200" y="895350"/>
-            <a:ext cx="8319052" cy="3124200"/>
+            <a:off x="457200" y="1047750"/>
+            <a:ext cx="8319052" cy="2971800"/>
           </a:xfrm>
         </p:spPr>
         <p:txBody>
@@ -11037,34 +11056,6 @@
             <a:r>
               <a:rPr lang="en-US" sz="1800" dirty="0"/>
               <a:t>Based on Control Code from the probe query message</a:t>
-            </a:r>
-          </a:p>
-          <a:p>
-            <a:pPr>
-              <a:lnSpc>
-                <a:spcPts val="2360"/>
-              </a:lnSpc>
-              <a:spcBef>
-                <a:spcPts val="600"/>
-              </a:spcBef>
-            </a:pPr>
-            <a:r>
-              <a:rPr lang="en-US" sz="1800" dirty="0"/>
-              <a:t>Loopback Measurement Mode</a:t>
-            </a:r>
-          </a:p>
-          <a:p>
-            <a:pPr lvl="1">
-              <a:lnSpc>
-                <a:spcPts val="2360"/>
-              </a:lnSpc>
-              <a:spcBef>
-                <a:spcPts val="600"/>
-              </a:spcBef>
-            </a:pPr>
-            <a:r>
-              <a:rPr lang="en-US" sz="1800" dirty="0"/>
-              <a:t>Probe message carries the return path in the header of the packet</a:t>
             </a:r>
           </a:p>
         </p:txBody>

--- a/draft-gandhi-spring-twamp-srpm-09.pptx
+++ b/draft-gandhi-spring-twamp-srpm-09.pptx
@@ -5759,7 +5759,7 @@
               <a:rPr lang="en-CA" sz="1200" dirty="0">
                 <a:latin typeface="Courier" pitchFamily="2" charset="0"/>
               </a:rPr>
-              <a:t>                     |   R1  |------------|   R5  |</a:t>
+              <a:t>                     |   R1  |============|   R5  |</a:t>
             </a:r>
           </a:p>
           <a:p>
@@ -7067,7 +7067,7 @@
                 <a:ea typeface="Courier" charset="0"/>
                 <a:cs typeface="Courier" charset="0"/>
               </a:rPr>
-              <a:t> IPv6 Address               .</a:t>
+              <a:t> IPv6 Address              .</a:t>
             </a:r>
           </a:p>
           <a:p>

--- a/draft-gandhi-spring-twamp-srpm-09.pptx
+++ b/draft-gandhi-spring-twamp-srpm-09.pptx
@@ -5300,7 +5300,7 @@
             </a:pPr>
             <a:r>
               <a:rPr lang="en-US" altLang="zh-CN" dirty="0"/>
-              <a:t>107</a:t>
+              <a:t>108</a:t>
             </a:r>
             <a:r>
               <a:rPr lang="en-US" altLang="zh-CN" baseline="30000" dirty="0"/>
@@ -5308,7 +5308,7 @@
             </a:r>
             <a:r>
               <a:rPr lang="en-US" altLang="zh-CN" dirty="0"/>
-              <a:t> IETF @ Vancouver</a:t>
+              <a:t> IETF @ Madrid</a:t>
             </a:r>
           </a:p>
         </p:txBody>
@@ -5392,7 +5392,7 @@
             </a:pPr>
             <a:r>
               <a:rPr lang="en-US" altLang="zh-CN" dirty="0"/>
-              <a:t>107</a:t>
+              <a:t>108</a:t>
             </a:r>
             <a:r>
               <a:rPr lang="en-US" altLang="zh-CN" baseline="30000" dirty="0"/>
@@ -5400,7 +5400,7 @@
             </a:r>
             <a:r>
               <a:rPr lang="en-US" altLang="zh-CN" dirty="0"/>
-              <a:t> IETF @ Vancouver</a:t>
+              <a:t> IETF @ Madrid</a:t>
             </a:r>
           </a:p>
         </p:txBody>
@@ -5562,7 +5562,7 @@
             </a:pPr>
             <a:r>
               <a:rPr lang="en-US" altLang="zh-CN" dirty="0"/>
-              <a:t>107</a:t>
+              <a:t>108</a:t>
             </a:r>
             <a:r>
               <a:rPr lang="en-US" altLang="zh-CN" baseline="30000" dirty="0"/>
@@ -5570,7 +5570,7 @@
             </a:r>
             <a:r>
               <a:rPr lang="en-US" altLang="zh-CN" dirty="0"/>
-              <a:t> IETF @ Vancouver</a:t>
+              <a:t> IETF @ Madrid</a:t>
             </a:r>
           </a:p>
         </p:txBody>
@@ -5876,7 +5876,7 @@
             </a:pPr>
             <a:r>
               <a:rPr lang="en-US" altLang="zh-CN" dirty="0"/>
-              <a:t>107</a:t>
+              <a:t>108</a:t>
             </a:r>
             <a:r>
               <a:rPr lang="en-US" altLang="zh-CN" baseline="30000" dirty="0"/>
@@ -5884,7 +5884,7 @@
             </a:r>
             <a:r>
               <a:rPr lang="en-US" altLang="zh-CN" dirty="0"/>
-              <a:t> IETF @ Vancouver</a:t>
+              <a:t> IETF @ Madrid</a:t>
             </a:r>
           </a:p>
         </p:txBody>
@@ -6384,7 +6384,7 @@
             </a:pPr>
             <a:r>
               <a:rPr lang="en-US" altLang="zh-CN" dirty="0"/>
-              <a:t>107</a:t>
+              <a:t>108</a:t>
             </a:r>
             <a:r>
               <a:rPr lang="en-US" altLang="zh-CN" baseline="30000" dirty="0"/>
@@ -6392,7 +6392,7 @@
             </a:r>
             <a:r>
               <a:rPr lang="en-US" altLang="zh-CN" dirty="0"/>
-              <a:t> IETF @ Vancouver</a:t>
+              <a:t> IETF @ Madrid</a:t>
             </a:r>
           </a:p>
         </p:txBody>
@@ -7356,7 +7356,7 @@
             </a:pPr>
             <a:r>
               <a:rPr lang="en-US" altLang="zh-CN" dirty="0"/>
-              <a:t>107</a:t>
+              <a:t>108</a:t>
             </a:r>
             <a:r>
               <a:rPr lang="en-US" altLang="zh-CN" baseline="30000" dirty="0"/>
@@ -7364,7 +7364,7 @@
             </a:r>
             <a:r>
               <a:rPr lang="en-US" altLang="zh-CN" dirty="0"/>
-              <a:t> IETF @ Vancouver</a:t>
+              <a:t> IETF @ Madrid</a:t>
             </a:r>
           </a:p>
         </p:txBody>
@@ -7669,7 +7669,7 @@
         </p:nvSpPr>
         <p:spPr>
           <a:xfrm>
-            <a:off x="2971800" y="4857750"/>
+            <a:off x="2971800" y="4786312"/>
             <a:ext cx="2895600" cy="357188"/>
           </a:xfrm>
         </p:spPr>
@@ -7681,16 +7681,16 @@
               <a:defRPr/>
             </a:pPr>
             <a:r>
-              <a:rPr lang="en-US" altLang="zh-CN" sz="1200" dirty="0"/>
-              <a:t>107</a:t>
-            </a:r>
-            <a:r>
-              <a:rPr lang="en-US" altLang="zh-CN" sz="1200" baseline="30000" dirty="0"/>
+              <a:rPr lang="en-US" altLang="zh-CN" dirty="0"/>
+              <a:t>108</a:t>
+            </a:r>
+            <a:r>
+              <a:rPr lang="en-US" altLang="zh-CN" baseline="30000" dirty="0"/>
               <a:t>th</a:t>
             </a:r>
             <a:r>
-              <a:rPr lang="en-US" altLang="zh-CN" sz="1200" dirty="0"/>
-              <a:t> IETF @ Vancouver</a:t>
+              <a:rPr lang="en-US" altLang="zh-CN" dirty="0"/>
+              <a:t> IETF @ Madrid</a:t>
             </a:r>
           </a:p>
         </p:txBody>
@@ -8896,7 +8896,7 @@
             </a:pPr>
             <a:r>
               <a:rPr lang="en-US" altLang="zh-CN" dirty="0"/>
-              <a:t>107</a:t>
+              <a:t>108</a:t>
             </a:r>
             <a:r>
               <a:rPr lang="en-US" altLang="zh-CN" baseline="30000" dirty="0"/>
@@ -8904,7 +8904,7 @@
             </a:r>
             <a:r>
               <a:rPr lang="en-US" altLang="zh-CN" dirty="0"/>
-              <a:t> IETF @ Vancouver</a:t>
+              <a:t> IETF @ Madrid</a:t>
             </a:r>
           </a:p>
         </p:txBody>
@@ -8993,7 +8993,7 @@
             </a:pPr>
             <a:r>
               <a:rPr lang="en-US" altLang="zh-CN" dirty="0"/>
-              <a:t>107</a:t>
+              <a:t>108</a:t>
             </a:r>
             <a:r>
               <a:rPr lang="en-US" altLang="zh-CN" baseline="30000" dirty="0"/>
@@ -9001,7 +9001,7 @@
             </a:r>
             <a:r>
               <a:rPr lang="en-US" altLang="zh-CN" dirty="0"/>
-              <a:t> IETF @ Vancouver</a:t>
+              <a:t> IETF @ Madrid</a:t>
             </a:r>
           </a:p>
         </p:txBody>
@@ -9363,7 +9363,7 @@
             </a:pPr>
             <a:r>
               <a:rPr lang="en-US" altLang="zh-CN" dirty="0"/>
-              <a:t>107</a:t>
+              <a:t>108</a:t>
             </a:r>
             <a:r>
               <a:rPr lang="en-US" altLang="zh-CN" baseline="30000" dirty="0"/>
@@ -9371,7 +9371,7 @@
             </a:r>
             <a:r>
               <a:rPr lang="en-US" altLang="zh-CN" dirty="0"/>
-              <a:t> IETF @ Vancouver</a:t>
+              <a:t> IETF @ Madrid</a:t>
             </a:r>
           </a:p>
         </p:txBody>
@@ -9629,7 +9629,7 @@
             </a:pPr>
             <a:r>
               <a:rPr lang="en-US" altLang="zh-CN" dirty="0"/>
-              <a:t>107</a:t>
+              <a:t>108</a:t>
             </a:r>
             <a:r>
               <a:rPr lang="en-US" altLang="zh-CN" baseline="30000" dirty="0"/>
@@ -9637,7 +9637,7 @@
             </a:r>
             <a:r>
               <a:rPr lang="en-US" altLang="zh-CN" dirty="0"/>
-              <a:t> IETF @ Vancouver</a:t>
+              <a:t> IETF @ Madrid</a:t>
             </a:r>
           </a:p>
         </p:txBody>
@@ -9962,7 +9962,7 @@
             </a:pPr>
             <a:r>
               <a:rPr lang="en-US" altLang="zh-CN" dirty="0"/>
-              <a:t>107</a:t>
+              <a:t>108</a:t>
             </a:r>
             <a:r>
               <a:rPr lang="en-US" altLang="zh-CN" baseline="30000" dirty="0"/>
@@ -9970,7 +9970,7 @@
             </a:r>
             <a:r>
               <a:rPr lang="en-US" altLang="zh-CN" dirty="0"/>
-              <a:t> IETF @ Vancouver</a:t>
+              <a:t> IETF @ Madrid</a:t>
             </a:r>
           </a:p>
         </p:txBody>
@@ -10214,7 +10214,7 @@
             </a:pPr>
             <a:r>
               <a:rPr lang="en-US" altLang="zh-CN" dirty="0"/>
-              <a:t>107</a:t>
+              <a:t>108</a:t>
             </a:r>
             <a:r>
               <a:rPr lang="en-US" altLang="zh-CN" baseline="30000" dirty="0"/>
@@ -10222,7 +10222,7 @@
             </a:r>
             <a:r>
               <a:rPr lang="en-US" altLang="zh-CN" dirty="0"/>
-              <a:t> IETF @ Vancouver</a:t>
+              <a:t> IETF @ Madrid</a:t>
             </a:r>
           </a:p>
         </p:txBody>
@@ -10356,7 +10356,7 @@
             </a:pPr>
             <a:r>
               <a:rPr lang="en-US" altLang="zh-CN" dirty="0"/>
-              <a:t>107</a:t>
+              <a:t>108</a:t>
             </a:r>
             <a:r>
               <a:rPr lang="en-US" altLang="zh-CN" baseline="30000" dirty="0"/>
@@ -10364,7 +10364,7 @@
             </a:r>
             <a:r>
               <a:rPr lang="en-US" altLang="zh-CN" dirty="0"/>
-              <a:t> IETF @ Vancouver</a:t>
+              <a:t> IETF @ Madrid</a:t>
             </a:r>
           </a:p>
         </p:txBody>
@@ -10956,7 +10956,7 @@
             </a:pPr>
             <a:r>
               <a:rPr lang="en-US" altLang="zh-CN" dirty="0"/>
-              <a:t>107</a:t>
+              <a:t>108</a:t>
             </a:r>
             <a:r>
               <a:rPr lang="en-US" altLang="zh-CN" baseline="30000" dirty="0"/>
@@ -10964,7 +10964,7 @@
             </a:r>
             <a:r>
               <a:rPr lang="en-US" altLang="zh-CN" dirty="0"/>
-              <a:t> IETF @ Vancouver</a:t>
+              <a:t> IETF @ Madrid</a:t>
             </a:r>
           </a:p>
         </p:txBody>
@@ -11258,7 +11258,7 @@
             </a:pPr>
             <a:r>
               <a:rPr lang="en-US" altLang="zh-CN" dirty="0"/>
-              <a:t>107</a:t>
+              <a:t>108</a:t>
             </a:r>
             <a:r>
               <a:rPr lang="en-US" altLang="zh-CN" baseline="30000" dirty="0"/>
@@ -11266,7 +11266,7 @@
             </a:r>
             <a:r>
               <a:rPr lang="en-US" altLang="zh-CN" dirty="0"/>
-              <a:t> IETF @ Vancouver</a:t>
+              <a:t> IETF @ Madrid</a:t>
             </a:r>
           </a:p>
         </p:txBody>
@@ -11355,7 +11355,7 @@
             </a:pPr>
             <a:r>
               <a:rPr lang="en-US" altLang="zh-CN" dirty="0"/>
-              <a:t>107</a:t>
+              <a:t>108</a:t>
             </a:r>
             <a:r>
               <a:rPr lang="en-US" altLang="zh-CN" baseline="30000" dirty="0"/>
@@ -11363,7 +11363,7 @@
             </a:r>
             <a:r>
               <a:rPr lang="en-US" altLang="zh-CN" dirty="0"/>
-              <a:t> IETF @ Vancouver</a:t>
+              <a:t> IETF @ Madrid</a:t>
             </a:r>
           </a:p>
         </p:txBody>

--- a/draft-gandhi-spring-twamp-srpm-09.pptx
+++ b/draft-gandhi-spring-twamp-srpm-09.pptx
@@ -260,7 +260,7 @@
           <a:p>
             <a:fld id="{E8FA3DB5-7722-3F4F-947D-12B203669AD7}" type="datetimeFigureOut">
               <a:rPr lang="en-US" smtClean="0"/>
-              <a:t>5/8/20</a:t>
+              <a:t>5/10/20</a:t>
             </a:fld>
             <a:endParaRPr lang="en-US"/>
           </a:p>
@@ -6780,7 +6780,7 @@
             </a:pPr>
             <a:r>
               <a:rPr lang="en-US" sz="1600" dirty="0"/>
-              <a:t>MPLS label stack for SR-MPLS Policies</a:t>
+              <a:t>MPLS label stack for SR-MPLS Policy</a:t>
             </a:r>
           </a:p>
           <a:p>
@@ -6798,7 +6798,7 @@
             </a:r>
             <a:r>
               <a:rPr lang="en-US" sz="1600" dirty="0"/>
-              <a:t>] with SID list for SRv6 Policies</a:t>
+              <a:t>] with SID list for SRv6 Policy</a:t>
             </a:r>
           </a:p>
         </p:txBody>
@@ -10505,7 +10505,22 @@
               <a:rPr lang="en-CA" sz="800" dirty="0">
                 <a:latin typeface="Courier" pitchFamily="2" charset="0"/>
               </a:rPr>
-              <a:t>    |         MBZ                                   |Se Control Code|</a:t>
+              <a:t>    |         MBZ                                   |</a:t>
+            </a:r>
+            <a:r>
+              <a:rPr lang="en-CA" sz="800" dirty="0">
+                <a:solidFill>
+                  <a:srgbClr val="0070C0"/>
+                </a:solidFill>
+                <a:latin typeface="Courier" pitchFamily="2" charset="0"/>
+              </a:rPr>
+              <a:t>Se Control Code</a:t>
+            </a:r>
+            <a:r>
+              <a:rPr lang="en-CA" sz="800" dirty="0">
+                <a:latin typeface="Courier" pitchFamily="2" charset="0"/>
+              </a:rPr>
+              <a:t>|</a:t>
             </a:r>
           </a:p>
           <a:p>
@@ -10565,7 +10580,7 @@
         <p:spPr>
           <a:xfrm>
             <a:off x="228600" y="971550"/>
-            <a:ext cx="3886200" cy="3231654"/>
+            <a:ext cx="3886200" cy="3416320"/>
           </a:xfrm>
           <a:prstGeom prst="rect">
             <a:avLst/>
@@ -10585,7 +10600,17 @@
                 <a:latin typeface="Calibri" panose="020F0502020204030204" pitchFamily="34" charset="0"/>
                 <a:cs typeface="Calibri" panose="020F0502020204030204" pitchFamily="34" charset="0"/>
               </a:rPr>
-              <a:t>For a Query: Sender Control Code</a:t>
+              <a:t>For a Query: </a:t>
+            </a:r>
+            <a:r>
+              <a:rPr lang="en-US" sz="1200" b="1" dirty="0">
+                <a:solidFill>
+                  <a:srgbClr val="0070C0"/>
+                </a:solidFill>
+                <a:latin typeface="Calibri" panose="020F0502020204030204" pitchFamily="34" charset="0"/>
+                <a:cs typeface="Calibri" panose="020F0502020204030204" pitchFamily="34" charset="0"/>
+              </a:rPr>
+              <a:t>Sender Control Code</a:t>
             </a:r>
           </a:p>
           <a:p>
@@ -10655,18 +10680,6 @@
             </a:r>
           </a:p>
           <a:p>
-            <a:r>
-              <a:rPr lang="en-US" sz="1200" dirty="0">
-                <a:solidFill>
-                  <a:schemeClr val="tx2"/>
-                </a:solidFill>
-                <a:latin typeface="Calibri" panose="020F0502020204030204" pitchFamily="34" charset="0"/>
-                <a:cs typeface="Calibri" panose="020F0502020204030204" pitchFamily="34" charset="0"/>
-              </a:rPr>
-              <a:t>The bidirectional path does not have to be an SR path.</a:t>
-            </a:r>
-          </a:p>
-          <a:p>
             <a:endParaRPr lang="en-US" sz="1200" dirty="0">
               <a:solidFill>
                 <a:schemeClr val="tx2"/>
@@ -10677,6 +10690,27 @@
           </a:p>
           <a:p>
             <a:r>
+              <a:rPr lang="en-US" sz="1200" dirty="0">
+                <a:solidFill>
+                  <a:schemeClr val="tx2"/>
+                </a:solidFill>
+                <a:latin typeface="Calibri" panose="020F0502020204030204" pitchFamily="34" charset="0"/>
+                <a:cs typeface="Calibri" panose="020F0502020204030204" pitchFamily="34" charset="0"/>
+              </a:rPr>
+              <a:t>The bidirectional path does not have to be an SR path.</a:t>
+            </a:r>
+          </a:p>
+          <a:p>
+            <a:endParaRPr lang="en-US" sz="1200" dirty="0">
+              <a:solidFill>
+                <a:schemeClr val="tx2"/>
+              </a:solidFill>
+              <a:latin typeface="Calibri" panose="020F0502020204030204" pitchFamily="34" charset="0"/>
+              <a:cs typeface="Calibri" panose="020F0502020204030204" pitchFamily="34" charset="0"/>
+            </a:endParaRPr>
+          </a:p>
+          <a:p>
+            <a:r>
               <a:rPr lang="en-US" sz="1200" b="1" dirty="0">
                 <a:solidFill>
                   <a:schemeClr val="tx2"/>
@@ -10684,7 +10718,17 @@
                 <a:latin typeface="Calibri" panose="020F0502020204030204" pitchFamily="34" charset="0"/>
                 <a:cs typeface="Calibri" panose="020F0502020204030204" pitchFamily="34" charset="0"/>
               </a:rPr>
-              <a:t>For a Response: Reflector Control Code</a:t>
+              <a:t>For a Response: </a:t>
+            </a:r>
+            <a:r>
+              <a:rPr lang="en-US" sz="1200" b="1" dirty="0">
+                <a:solidFill>
+                  <a:srgbClr val="0070C0"/>
+                </a:solidFill>
+                <a:latin typeface="Calibri" panose="020F0502020204030204" pitchFamily="34" charset="0"/>
+                <a:cs typeface="Calibri" panose="020F0502020204030204" pitchFamily="34" charset="0"/>
+              </a:rPr>
+              <a:t>Reflector Control Code</a:t>
             </a:r>
           </a:p>
           <a:p>
@@ -10795,7 +10839,22 @@
               <a:rPr lang="en-CA" sz="800" dirty="0">
                 <a:latin typeface="Courier" pitchFamily="2" charset="0"/>
               </a:rPr>
-              <a:t>    | Session-Sender Error Estimate | MBZ           |Re Control Code|</a:t>
+              <a:t>    | Session-Sender Error Estimate | MBZ           |</a:t>
+            </a:r>
+            <a:r>
+              <a:rPr lang="en-CA" sz="800" dirty="0">
+                <a:solidFill>
+                  <a:srgbClr val="0070C0"/>
+                </a:solidFill>
+                <a:latin typeface="Courier" pitchFamily="2" charset="0"/>
+              </a:rPr>
+              <a:t>Re Control Code</a:t>
+            </a:r>
+            <a:r>
+              <a:rPr lang="en-CA" sz="800" dirty="0">
+                <a:latin typeface="Courier" pitchFamily="2" charset="0"/>
+              </a:rPr>
+              <a:t>|</a:t>
             </a:r>
           </a:p>
           <a:p>

--- a/draft-gandhi-spring-twamp-srpm-09.pptx
+++ b/draft-gandhi-spring-twamp-srpm-09.pptx
@@ -6846,7 +6846,7 @@
         </p:nvSpPr>
         <p:spPr>
           <a:xfrm>
-            <a:off x="4267200" y="1973509"/>
+            <a:off x="4267200" y="1973510"/>
             <a:ext cx="3962400" cy="3067598"/>
           </a:xfrm>
           <a:prstGeom prst="rect">
@@ -6981,7 +6981,7 @@
                 <a:ea typeface="Courier" charset="0"/>
                 <a:cs typeface="Courier" charset="0"/>
               </a:rPr>
-              <a:t>.  &lt;SID List&gt;                                                   .</a:t>
+              <a:t>.  &lt;Segment List&gt;                                               .</a:t>
             </a:r>
           </a:p>
           <a:p>
@@ -7814,26 +7814,6 @@
                 <a:cs typeface="Courier New" panose="02070309020205020404" pitchFamily="49" charset="0"/>
               </a:rPr>
               <a:t>.  Protocol = UDP                                               .</a:t>
-            </a:r>
-            <a:endParaRPr lang="en-US" sz="800" dirty="0">
-              <a:latin typeface="Courier" pitchFamily="2" charset="0"/>
-              <a:ea typeface="Courier" charset="0"/>
-              <a:cs typeface="Courier New" panose="02070309020205020404" pitchFamily="49" charset="0"/>
-            </a:endParaRPr>
-          </a:p>
-          <a:p>
-            <a:pPr>
-              <a:spcAft>
-                <a:spcPts val="0"/>
-              </a:spcAft>
-            </a:pPr>
-            <a:r>
-              <a:rPr lang="en-CA" sz="800" dirty="0">
-                <a:latin typeface="Courier" pitchFamily="2" charset="0"/>
-                <a:ea typeface="Courier" charset="0"/>
-                <a:cs typeface="Courier New" panose="02070309020205020404" pitchFamily="49" charset="0"/>
-              </a:rPr>
-              <a:t>.  Router Alert Option Not Set                                  .</a:t>
             </a:r>
             <a:endParaRPr lang="en-US" sz="800" dirty="0">
               <a:latin typeface="Courier" pitchFamily="2" charset="0"/>

--- a/draft-gandhi-spring-twamp-srpm-09.pptx
+++ b/draft-gandhi-spring-twamp-srpm-09.pptx
@@ -260,7 +260,7 @@
           <a:p>
             <a:fld id="{E8FA3DB5-7722-3F4F-947D-12B203669AD7}" type="datetimeFigureOut">
               <a:rPr lang="en-US" smtClean="0"/>
-              <a:t>5/10/20</a:t>
+              <a:t>5/10/2020</a:t>
             </a:fld>
             <a:endParaRPr lang="en-US"/>
           </a:p>
@@ -6798,7 +6798,7 @@
             </a:r>
             <a:r>
               <a:rPr lang="en-US" sz="1600" dirty="0"/>
-              <a:t>] with SID list for SRv6 Policy</a:t>
+              <a:t>] with Segment List for SRv6 Policy</a:t>
             </a:r>
           </a:p>
         </p:txBody>
@@ -7913,10 +7913,10 @@
                 <a:ea typeface="Courier" charset="0"/>
                 <a:cs typeface="Courier New" panose="02070309020205020404" pitchFamily="49" charset="0"/>
               </a:rPr>
-              <a:t>.  Destination Port = </a:t>
-            </a:r>
-            <a:r>
-              <a:rPr lang="en-CA" sz="800" dirty="0">
+              <a:t>.  Destination Port = User-configured </a:t>
+            </a:r>
+            <a:r>
+              <a:rPr lang="en-CA" sz="800" b="1" dirty="0">
                 <a:solidFill>
                   <a:srgbClr val="0070C0"/>
                 </a:solidFill>
@@ -7924,7 +7924,7 @@
                 <a:ea typeface="Courier" charset="0"/>
                 <a:cs typeface="Courier New" panose="02070309020205020404" pitchFamily="49" charset="0"/>
               </a:rPr>
-              <a:t>User-configured Port2 for Loss Measurement</a:t>
+              <a:t>Port2</a:t>
             </a:r>
             <a:r>
               <a:rPr lang="en-CA" sz="800" dirty="0">
@@ -7932,7 +7932,7 @@
                 <a:ea typeface="Courier" charset="0"/>
                 <a:cs typeface="Courier New" panose="02070309020205020404" pitchFamily="49" charset="0"/>
               </a:rPr>
-              <a:t>.</a:t>
+              <a:t> for Loss Measurement.</a:t>
             </a:r>
             <a:endParaRPr lang="en-US" sz="800" dirty="0">
               <a:latin typeface="Courier" pitchFamily="2" charset="0"/>
@@ -8620,8 +8620,12 @@
               <a:t>User-configured destination UDP </a:t>
             </a:r>
             <a:r>
-              <a:rPr lang="en-US" sz="1400" b="1" kern="0" dirty="0"/>
-              <a:t>port2</a:t>
+              <a:rPr lang="en-US" sz="1400" b="1" kern="0" dirty="0">
+                <a:solidFill>
+                  <a:srgbClr val="0070C0"/>
+                </a:solidFill>
+              </a:rPr>
+              <a:t>Port2</a:t>
             </a:r>
             <a:r>
               <a:rPr lang="en-US" sz="1400" kern="0" dirty="0"/>
@@ -8630,12 +8634,28 @@
           </a:p>
           <a:p>
             <a:r>
-              <a:rPr lang="en-US" sz="1400" b="1" kern="0" dirty="0">
+              <a:rPr lang="en-US" sz="1400" kern="0" dirty="0">
                 <a:solidFill>
                   <a:schemeClr val="tx2"/>
                 </a:solidFill>
               </a:rPr>
-              <a:t>Does not modify existing TWAMP Light  (which is for DM) procedure as different UDP destination port2 is used for LM</a:t>
+              <a:t>Does not modify existing TWAMP Light  (which is for DM) procedure as different UDP destination </a:t>
+            </a:r>
+            <a:r>
+              <a:rPr lang="en-US" sz="1400" b="1" kern="0" dirty="0">
+                <a:solidFill>
+                  <a:srgbClr val="0070C0"/>
+                </a:solidFill>
+              </a:rPr>
+              <a:t>Port2</a:t>
+            </a:r>
+            <a:r>
+              <a:rPr lang="en-US" sz="1400" kern="0" dirty="0">
+                <a:solidFill>
+                  <a:schemeClr val="tx2"/>
+                </a:solidFill>
+              </a:rPr>
+              <a:t> is used for LM</a:t>
             </a:r>
           </a:p>
         </p:txBody>
@@ -10560,7 +10580,7 @@
         <p:spPr>
           <a:xfrm>
             <a:off x="228600" y="971550"/>
-            <a:ext cx="3886200" cy="3416320"/>
+            <a:ext cx="3886200" cy="3231654"/>
           </a:xfrm>
           <a:prstGeom prst="rect">
             <a:avLst/>
@@ -10660,24 +10680,15 @@
             </a:r>
           </a:p>
           <a:p>
-            <a:endParaRPr lang="en-US" sz="1200" dirty="0">
-              <a:solidFill>
-                <a:schemeClr val="tx2"/>
-              </a:solidFill>
-              <a:latin typeface="Calibri" panose="020F0502020204030204" pitchFamily="34" charset="0"/>
-              <a:cs typeface="Calibri" panose="020F0502020204030204" pitchFamily="34" charset="0"/>
-            </a:endParaRPr>
-          </a:p>
-          <a:p>
-            <a:r>
-              <a:rPr lang="en-US" sz="1200" dirty="0">
+            <a:r>
+              <a:rPr lang="en-US" sz="1200" b="1" dirty="0">
                 <a:solidFill>
                   <a:schemeClr val="tx2"/>
                 </a:solidFill>
                 <a:latin typeface="Calibri" panose="020F0502020204030204" pitchFamily="34" charset="0"/>
                 <a:cs typeface="Calibri" panose="020F0502020204030204" pitchFamily="34" charset="0"/>
               </a:rPr>
-              <a:t>The bidirectional path does not have to be an SR path.</a:t>
+              <a:t>Also applicable to non-SR path.</a:t>
             </a:r>
           </a:p>
           <a:p>

--- a/draft-gandhi-spring-twamp-srpm-09.pptx
+++ b/draft-gandhi-spring-twamp-srpm-09.pptx
@@ -260,7 +260,7 @@
           <a:p>
             <a:fld id="{E8FA3DB5-7722-3F4F-947D-12B203669AD7}" type="datetimeFigureOut">
               <a:rPr lang="en-US" smtClean="0"/>
-              <a:t>5/10/2020</a:t>
+              <a:t>6/2/20</a:t>
             </a:fld>
             <a:endParaRPr lang="en-US"/>
           </a:p>
@@ -7051,23 +7051,7 @@
                 <a:ea typeface="Courier" charset="0"/>
                 <a:cs typeface="Courier" charset="0"/>
               </a:rPr>
-              <a:t>.  Destination IP Address = </a:t>
-            </a:r>
-            <a:r>
-              <a:rPr lang="en-US" sz="750" b="1" dirty="0">
-                <a:latin typeface="Courier" pitchFamily="2" charset="0"/>
-                <a:ea typeface="Courier" charset="0"/>
-                <a:cs typeface="Courier" charset="0"/>
-              </a:rPr>
-              <a:t>Reflector</a:t>
-            </a:r>
-            <a:r>
-              <a:rPr lang="en-US" sz="750" dirty="0">
-                <a:latin typeface="Courier" pitchFamily="2" charset="0"/>
-                <a:ea typeface="Courier" charset="0"/>
-                <a:cs typeface="Courier" charset="0"/>
-              </a:rPr>
-              <a:t> IPv6 Address              .</a:t>
+              <a:t>.  Destination IP Address = Reflector IPv6 Address              .</a:t>
             </a:r>
           </a:p>
           <a:p>
@@ -9746,8 +9730,8 @@
         </p:nvSpPr>
         <p:spPr>
           <a:xfrm>
-            <a:off x="457200" y="831574"/>
-            <a:ext cx="8229600" cy="3568976"/>
+            <a:off x="457200" y="857250"/>
+            <a:ext cx="8229600" cy="3543300"/>
           </a:xfrm>
         </p:spPr>
         <p:txBody>
@@ -9755,183 +9739,153 @@
           <a:lstStyle/>
           <a:p>
             <a:r>
-              <a:rPr lang="en-US" sz="1100" dirty="0"/>
+              <a:rPr lang="en-US" sz="1200" dirty="0"/>
               <a:t>Feb 2019</a:t>
             </a:r>
           </a:p>
           <a:p>
             <a:pPr lvl="1"/>
             <a:r>
-              <a:rPr lang="en-US" sz="1100" dirty="0"/>
+              <a:rPr lang="en-US" sz="1200" dirty="0"/>
               <a:t>Draft was published - </a:t>
             </a:r>
             <a:r>
-              <a:rPr lang="en-US" sz="1100" i="1" dirty="0"/>
+              <a:rPr lang="en-US" sz="1200" i="1" dirty="0"/>
               <a:t>draft-gandhi-spring-twamp-srpm-00</a:t>
             </a:r>
-            <a:endParaRPr lang="en-US" sz="1100" dirty="0"/>
-          </a:p>
-          <a:p>
-            <a:r>
-              <a:rPr lang="en-US" sz="1100" dirty="0"/>
+            <a:endParaRPr lang="en-US" sz="1200" dirty="0"/>
+          </a:p>
+          <a:p>
+            <a:r>
+              <a:rPr lang="en-US" sz="1200" dirty="0"/>
               <a:t>Mar 2019</a:t>
             </a:r>
           </a:p>
           <a:p>
             <a:pPr lvl="1"/>
             <a:r>
-              <a:rPr lang="en-US" sz="1100" dirty="0"/>
+              <a:rPr lang="en-US" sz="1200" dirty="0"/>
               <a:t>Presented </a:t>
             </a:r>
             <a:r>
-              <a:rPr lang="en-US" sz="1100" i="1" dirty="0"/>
+              <a:rPr lang="en-US" sz="1200" i="1" dirty="0"/>
               <a:t>draft-gandhi-spring-twamp-srpm-00</a:t>
             </a:r>
             <a:r>
-              <a:rPr lang="en-US" sz="1100" dirty="0"/>
+              <a:rPr lang="en-US" sz="1200" dirty="0"/>
               <a:t> at IETF 104 Prague in SPRING WG</a:t>
             </a:r>
           </a:p>
           <a:p>
             <a:r>
-              <a:rPr lang="en-US" sz="1100" dirty="0"/>
-              <a:t>May 2019</a:t>
+              <a:rPr lang="en-US" sz="1200" dirty="0"/>
+              <a:t>July 2019</a:t>
             </a:r>
           </a:p>
           <a:p>
             <a:pPr lvl="1"/>
             <a:r>
-              <a:rPr lang="en-US" sz="1100" dirty="0"/>
-              <a:t>Added STAMP TLV for Return Path </a:t>
-            </a:r>
-          </a:p>
-          <a:p>
-            <a:r>
-              <a:rPr lang="en-US" sz="1100" dirty="0"/>
-              <a:t>July 2019</a:t>
+              <a:rPr lang="en-US" sz="1200" dirty="0"/>
+              <a:t>Presented </a:t>
+            </a:r>
+            <a:r>
+              <a:rPr lang="en-US" sz="1200" i="1" dirty="0"/>
+              <a:t>draft-gandhi-spring-twamp-srpm-01</a:t>
+            </a:r>
+            <a:r>
+              <a:rPr lang="en-US" sz="1200" dirty="0"/>
+              <a:t> at IETF 105 Montreal in IPPM WG</a:t>
+            </a:r>
+          </a:p>
+          <a:p>
+            <a:pPr lvl="2"/>
+            <a:r>
+              <a:rPr lang="en-US" sz="1200" dirty="0"/>
+              <a:t>Slide 9 Titled - </a:t>
+            </a:r>
+            <a:r>
+              <a:rPr lang="en-CA" sz="1200" dirty="0"/>
+              <a:t>Applicability of STAMP</a:t>
+            </a:r>
+            <a:endParaRPr lang="en-US" sz="1200" dirty="0"/>
+          </a:p>
+          <a:p>
+            <a:r>
+              <a:rPr lang="en-US" sz="1200" dirty="0"/>
+              <a:t>Nov 2019</a:t>
             </a:r>
           </a:p>
           <a:p>
             <a:pPr lvl="1"/>
             <a:r>
-              <a:rPr lang="en-US" sz="1100" dirty="0"/>
+              <a:rPr lang="en-US" sz="1200" dirty="0"/>
+              <a:t>SPRING Chairs announced in the meeting the agreement with IPPM chairs to progress the draft in SPRING WG</a:t>
+            </a:r>
+          </a:p>
+          <a:p>
+            <a:pPr lvl="1"/>
+            <a:r>
+              <a:rPr lang="en-US" sz="1200" dirty="0"/>
               <a:t>Presented </a:t>
             </a:r>
             <a:r>
-              <a:rPr lang="en-US" sz="1100" i="1" dirty="0"/>
-              <a:t>draft-gandhi-spring-twamp-srpm-01</a:t>
-            </a:r>
-            <a:r>
-              <a:rPr lang="en-US" sz="1100" dirty="0"/>
-              <a:t> at IETF 105 Montreal in IPPM WG</a:t>
-            </a:r>
-          </a:p>
-          <a:p>
-            <a:pPr lvl="2"/>
-            <a:r>
-              <a:rPr lang="en-US" sz="1100" dirty="0"/>
-              <a:t>Slide 9 Titled - </a:t>
-            </a:r>
-            <a:r>
-              <a:rPr lang="en-CA" sz="1100" dirty="0"/>
-              <a:t>Applicability of STAMP – STAMP is supported</a:t>
-            </a:r>
-            <a:endParaRPr lang="en-US" sz="1100" dirty="0"/>
-          </a:p>
-          <a:p>
-            <a:r>
-              <a:rPr lang="en-US" sz="1100" dirty="0"/>
-              <a:t>Aug 2019</a:t>
+              <a:rPr lang="en-US" sz="1200" i="1" dirty="0"/>
+              <a:t>draft-gandhi-spring-twamp-srpm-04</a:t>
+            </a:r>
+            <a:r>
+              <a:rPr lang="en-US" sz="1200" dirty="0"/>
+              <a:t> at IETF 106 Singapore in SPRING WG</a:t>
+            </a:r>
+          </a:p>
+          <a:p>
+            <a:r>
+              <a:rPr lang="en-US" sz="1200" dirty="0"/>
+              <a:t>Mar 2020</a:t>
             </a:r>
           </a:p>
           <a:p>
             <a:pPr lvl="1"/>
             <a:r>
-              <a:rPr lang="en-US" sz="1100" i="1" dirty="0"/>
-              <a:t>draft-gandhi-spring-twamp-srpm-02</a:t>
-            </a:r>
-            <a:r>
-              <a:rPr lang="en-US" sz="1100" dirty="0"/>
-              <a:t> included stand-alone LM messages</a:t>
-            </a:r>
-          </a:p>
-          <a:p>
-            <a:r>
-              <a:rPr lang="en-US" sz="1100" dirty="0"/>
-              <a:t>Nov 2019</a:t>
+              <a:rPr lang="en-US" sz="1200" dirty="0"/>
+              <a:t>Moved STAMP support to </a:t>
+            </a:r>
+            <a:r>
+              <a:rPr lang="en-US" sz="1200" i="1" dirty="0"/>
+              <a:t>draft-</a:t>
+            </a:r>
+            <a:r>
+              <a:rPr lang="en-US" sz="1200" i="1" dirty="0" err="1"/>
+              <a:t>gandhi</a:t>
+            </a:r>
+            <a:r>
+              <a:rPr lang="en-US" sz="1200" i="1" dirty="0"/>
+              <a:t>--spring-</a:t>
+            </a:r>
+            <a:r>
+              <a:rPr lang="en-US" sz="1200" b="1" i="1" dirty="0"/>
+              <a:t>stamp</a:t>
+            </a:r>
+            <a:r>
+              <a:rPr lang="en-US" sz="1200" i="1" dirty="0"/>
+              <a:t>-srpm-00</a:t>
             </a:r>
           </a:p>
           <a:p>
             <a:pPr lvl="1"/>
             <a:r>
-              <a:rPr lang="en-US" sz="1100" dirty="0"/>
-              <a:t>SPRING Chairs announced in the meeting the agreement with IPPM chairs to progress the draft in SPRING WG</a:t>
-            </a:r>
-          </a:p>
-          <a:p>
-            <a:pPr lvl="1"/>
-            <a:r>
-              <a:rPr lang="en-US" sz="1100" dirty="0"/>
-              <a:t>Presented </a:t>
-            </a:r>
-            <a:r>
-              <a:rPr lang="en-US" sz="1100" i="1" dirty="0"/>
-              <a:t>draft-gandhi-spring-twamp-srpm-04</a:t>
-            </a:r>
-            <a:r>
-              <a:rPr lang="en-US" sz="1100" dirty="0"/>
-              <a:t> at IETF 106 Singapore in SPRING WG</a:t>
-            </a:r>
-          </a:p>
-          <a:p>
-            <a:r>
-              <a:rPr lang="en-US" sz="1100" dirty="0"/>
-              <a:t>Mar 2020</a:t>
-            </a:r>
-          </a:p>
-          <a:p>
-            <a:pPr lvl="1"/>
-            <a:r>
-              <a:rPr lang="en-US" sz="1100" dirty="0"/>
-              <a:t>Moved STAMP support to </a:t>
-            </a:r>
-            <a:r>
-              <a:rPr lang="en-US" sz="1100" i="1" dirty="0"/>
-              <a:t>draft-</a:t>
-            </a:r>
-            <a:r>
-              <a:rPr lang="en-US" sz="1100" i="1" dirty="0" err="1"/>
-              <a:t>gandhi</a:t>
-            </a:r>
-            <a:r>
-              <a:rPr lang="en-US" sz="1100" i="1" dirty="0"/>
-              <a:t>--spring-</a:t>
-            </a:r>
-            <a:r>
-              <a:rPr lang="en-US" sz="1100" b="1" i="1" dirty="0"/>
-              <a:t>stamp</a:t>
-            </a:r>
-            <a:r>
-              <a:rPr lang="en-US" sz="1100" i="1" dirty="0"/>
-              <a:t>-srpm-00</a:t>
-            </a:r>
-          </a:p>
-          <a:p>
-            <a:pPr lvl="1"/>
-            <a:r>
-              <a:rPr lang="en-US" sz="1100" dirty="0"/>
+              <a:rPr lang="en-US" sz="1200" dirty="0"/>
               <a:t>Keep TWAMP Light support as informational in </a:t>
             </a:r>
             <a:r>
-              <a:rPr lang="en-US" sz="1100" i="1" dirty="0"/>
+              <a:rPr lang="en-US" sz="1200" i="1" dirty="0"/>
               <a:t>draft-gandhi-spring-</a:t>
             </a:r>
             <a:r>
-              <a:rPr lang="en-US" sz="1100" b="1" i="1" dirty="0"/>
+              <a:rPr lang="en-US" sz="1200" b="1" i="1" dirty="0"/>
               <a:t>twamp</a:t>
             </a:r>
             <a:r>
-              <a:rPr lang="en-US" sz="1100" i="1" dirty="0"/>
+              <a:rPr lang="en-US" sz="1200" i="1" dirty="0"/>
               <a:t>-srpm-08</a:t>
             </a:r>
           </a:p>
@@ -10418,8 +10372,8 @@
         </p:nvSpPr>
         <p:spPr>
           <a:xfrm>
-            <a:off x="4114800" y="971550"/>
-            <a:ext cx="4648200" cy="1815882"/>
+            <a:off x="4038599" y="1047750"/>
+            <a:ext cx="4648201" cy="2585323"/>
           </a:xfrm>
           <a:prstGeom prst="rect">
             <a:avLst/>
@@ -10437,130 +10391,498 @@
           </a:bodyPr>
           <a:lstStyle/>
           <a:p>
-            <a:r>
-              <a:rPr lang="en-CA" sz="800" dirty="0">
+            <a:pPr lvl="0" eaLnBrk="0" hangingPunct="0">
+              <a:tabLst>
+                <a:tab pos="581025" algn="l"/>
+                <a:tab pos="1163638" algn="l"/>
+                <a:tab pos="1744663" algn="l"/>
+                <a:tab pos="2327275" algn="l"/>
+                <a:tab pos="2908300" algn="l"/>
+                <a:tab pos="3489325" algn="l"/>
+                <a:tab pos="4071938" algn="l"/>
+                <a:tab pos="4652963" algn="l"/>
+                <a:tab pos="5235575" algn="l"/>
+                <a:tab pos="5816600" algn="l"/>
+                <a:tab pos="6397625" algn="l"/>
+                <a:tab pos="6980238" algn="l"/>
+                <a:tab pos="7561263" algn="l"/>
+                <a:tab pos="8143875" algn="l"/>
+                <a:tab pos="8724900" algn="l"/>
+                <a:tab pos="9305925" algn="l"/>
+              </a:tabLst>
+            </a:pPr>
+            <a:r>
+              <a:rPr lang="en-US" altLang="en-US" sz="900" dirty="0">
                 <a:latin typeface="Courier" pitchFamily="2" charset="0"/>
-              </a:rPr>
-              <a:t>    .                                                               .</a:t>
-            </a:r>
-          </a:p>
-          <a:p>
-            <a:r>
-              <a:rPr lang="en-CA" sz="800" dirty="0">
+                <a:ea typeface="Times New Roman" panose="02020603050405020304" pitchFamily="18" charset="0"/>
+              </a:rPr>
+              <a:t>0 1 2 3 4 5 6 7 8 9 0 1 2 3 4 5 6 7 8 9 0 1 2 3 4 5 6 7 8 9 0 1  </a:t>
+            </a:r>
+          </a:p>
+          <a:p>
+            <a:pPr lvl="0" eaLnBrk="0" hangingPunct="0">
+              <a:tabLst>
+                <a:tab pos="581025" algn="l"/>
+                <a:tab pos="1163638" algn="l"/>
+                <a:tab pos="1744663" algn="l"/>
+                <a:tab pos="2327275" algn="l"/>
+                <a:tab pos="2908300" algn="l"/>
+                <a:tab pos="3489325" algn="l"/>
+                <a:tab pos="4071938" algn="l"/>
+                <a:tab pos="4652963" algn="l"/>
+                <a:tab pos="5235575" algn="l"/>
+                <a:tab pos="5816600" algn="l"/>
+                <a:tab pos="6397625" algn="l"/>
+                <a:tab pos="6980238" algn="l"/>
+                <a:tab pos="7561263" algn="l"/>
+                <a:tab pos="8143875" algn="l"/>
+                <a:tab pos="8724900" algn="l"/>
+                <a:tab pos="9305925" algn="l"/>
+              </a:tabLst>
+            </a:pPr>
+            <a:r>
+              <a:rPr lang="en-US" altLang="en-US" sz="900" dirty="0">
                 <a:latin typeface="Courier" pitchFamily="2" charset="0"/>
-              </a:rPr>
-              <a:t>    .                                                               .</a:t>
-            </a:r>
-          </a:p>
-          <a:p>
-            <a:r>
-              <a:rPr lang="en-CA" sz="800" dirty="0">
+                <a:ea typeface="Times New Roman" panose="02020603050405020304" pitchFamily="18" charset="0"/>
+              </a:rPr>
+              <a:t>+-+-+-+-+-+-+-+-+-+-+-+-+-+-+-+-+-+-+-+-+-+-+-+-+-+-+-+-+-+-+-+-+</a:t>
+            </a:r>
+          </a:p>
+          <a:p>
+            <a:pPr lvl="0" eaLnBrk="0" hangingPunct="0">
+              <a:tabLst>
+                <a:tab pos="581025" algn="l"/>
+                <a:tab pos="1163638" algn="l"/>
+                <a:tab pos="1744663" algn="l"/>
+                <a:tab pos="2327275" algn="l"/>
+                <a:tab pos="2908300" algn="l"/>
+                <a:tab pos="3489325" algn="l"/>
+                <a:tab pos="4071938" algn="l"/>
+                <a:tab pos="4652963" algn="l"/>
+                <a:tab pos="5235575" algn="l"/>
+                <a:tab pos="5816600" algn="l"/>
+                <a:tab pos="6397625" algn="l"/>
+                <a:tab pos="6980238" algn="l"/>
+                <a:tab pos="7561263" algn="l"/>
+                <a:tab pos="8143875" algn="l"/>
+                <a:tab pos="8724900" algn="l"/>
+                <a:tab pos="9305925" algn="l"/>
+              </a:tabLst>
+            </a:pPr>
+            <a:r>
+              <a:rPr lang="en-US" altLang="en-US" sz="900" dirty="0">
                 <a:latin typeface="Courier" pitchFamily="2" charset="0"/>
-              </a:rPr>
-              <a:t>    +-+-+-+-+-+-+-+-+-+-+-+-+-+-+-+-+-+-+-+-+-+-+-+-+-+-+-+-+-+-+-+-+</a:t>
-            </a:r>
-          </a:p>
-          <a:p>
-            <a:r>
-              <a:rPr lang="en-CA" sz="800" dirty="0">
+                <a:ea typeface="Times New Roman" panose="02020603050405020304" pitchFamily="18" charset="0"/>
+              </a:rPr>
+              <a:t>|                        Sequence Number                        |</a:t>
+            </a:r>
+          </a:p>
+          <a:p>
+            <a:pPr lvl="0" eaLnBrk="0" hangingPunct="0">
+              <a:tabLst>
+                <a:tab pos="581025" algn="l"/>
+                <a:tab pos="1163638" algn="l"/>
+                <a:tab pos="1744663" algn="l"/>
+                <a:tab pos="2327275" algn="l"/>
+                <a:tab pos="2908300" algn="l"/>
+                <a:tab pos="3489325" algn="l"/>
+                <a:tab pos="4071938" algn="l"/>
+                <a:tab pos="4652963" algn="l"/>
+                <a:tab pos="5235575" algn="l"/>
+                <a:tab pos="5816600" algn="l"/>
+                <a:tab pos="6397625" algn="l"/>
+                <a:tab pos="6980238" algn="l"/>
+                <a:tab pos="7561263" algn="l"/>
+                <a:tab pos="8143875" algn="l"/>
+                <a:tab pos="8724900" algn="l"/>
+                <a:tab pos="9305925" algn="l"/>
+              </a:tabLst>
+            </a:pPr>
+            <a:r>
+              <a:rPr lang="en-US" altLang="en-US" sz="900" dirty="0">
                 <a:latin typeface="Courier" pitchFamily="2" charset="0"/>
-              </a:rPr>
-              <a:t>    |                          Timestamp                            |</a:t>
-            </a:r>
-          </a:p>
-          <a:p>
-            <a:r>
-              <a:rPr lang="en-CA" sz="800" dirty="0">
+                <a:ea typeface="Times New Roman" panose="02020603050405020304" pitchFamily="18" charset="0"/>
+              </a:rPr>
+              <a:t>+-+-+-+-+-+-+-+-+-+-+-+-+-+-+-+-+-+-+-+-+-+-+-+-+-+-+-+-+-+-+-+-+</a:t>
+            </a:r>
+          </a:p>
+          <a:p>
+            <a:pPr lvl="0" eaLnBrk="0" hangingPunct="0">
+              <a:tabLst>
+                <a:tab pos="581025" algn="l"/>
+                <a:tab pos="1163638" algn="l"/>
+                <a:tab pos="1744663" algn="l"/>
+                <a:tab pos="2327275" algn="l"/>
+                <a:tab pos="2908300" algn="l"/>
+                <a:tab pos="3489325" algn="l"/>
+                <a:tab pos="4071938" algn="l"/>
+                <a:tab pos="4652963" algn="l"/>
+                <a:tab pos="5235575" algn="l"/>
+                <a:tab pos="5816600" algn="l"/>
+                <a:tab pos="6397625" algn="l"/>
+                <a:tab pos="6980238" algn="l"/>
+                <a:tab pos="7561263" algn="l"/>
+                <a:tab pos="8143875" algn="l"/>
+                <a:tab pos="8724900" algn="l"/>
+                <a:tab pos="9305925" algn="l"/>
+              </a:tabLst>
+            </a:pPr>
+            <a:r>
+              <a:rPr lang="en-US" altLang="en-US" sz="900" dirty="0">
                 <a:latin typeface="Courier" pitchFamily="2" charset="0"/>
-              </a:rPr>
-              <a:t>    |                                                               |</a:t>
-            </a:r>
-          </a:p>
-          <a:p>
-            <a:r>
-              <a:rPr lang="en-CA" sz="800" dirty="0">
+                <a:ea typeface="Times New Roman" panose="02020603050405020304" pitchFamily="18" charset="0"/>
+              </a:rPr>
+              <a:t>|                          Timestamp                            |</a:t>
+            </a:r>
+          </a:p>
+          <a:p>
+            <a:pPr lvl="0" eaLnBrk="0" hangingPunct="0">
+              <a:tabLst>
+                <a:tab pos="581025" algn="l"/>
+                <a:tab pos="1163638" algn="l"/>
+                <a:tab pos="1744663" algn="l"/>
+                <a:tab pos="2327275" algn="l"/>
+                <a:tab pos="2908300" algn="l"/>
+                <a:tab pos="3489325" algn="l"/>
+                <a:tab pos="4071938" algn="l"/>
+                <a:tab pos="4652963" algn="l"/>
+                <a:tab pos="5235575" algn="l"/>
+                <a:tab pos="5816600" algn="l"/>
+                <a:tab pos="6397625" algn="l"/>
+                <a:tab pos="6980238" algn="l"/>
+                <a:tab pos="7561263" algn="l"/>
+                <a:tab pos="8143875" algn="l"/>
+                <a:tab pos="8724900" algn="l"/>
+                <a:tab pos="9305925" algn="l"/>
+              </a:tabLst>
+            </a:pPr>
+            <a:r>
+              <a:rPr lang="en-US" altLang="en-US" sz="900" dirty="0">
                 <a:latin typeface="Courier" pitchFamily="2" charset="0"/>
-              </a:rPr>
-              <a:t>    +-+-+-+-+-+-+-+-+-+-+-+-+-+-+-+-+-+-+-+-+-+-+-+-+-+-+-+-+-+-+-+-+</a:t>
-            </a:r>
-          </a:p>
-          <a:p>
-            <a:r>
-              <a:rPr lang="en-CA" sz="800" dirty="0">
+                <a:ea typeface="Times New Roman" panose="02020603050405020304" pitchFamily="18" charset="0"/>
+              </a:rPr>
+              <a:t>|                                                               |</a:t>
+            </a:r>
+          </a:p>
+          <a:p>
+            <a:pPr lvl="0" eaLnBrk="0" hangingPunct="0">
+              <a:tabLst>
+                <a:tab pos="581025" algn="l"/>
+                <a:tab pos="1163638" algn="l"/>
+                <a:tab pos="1744663" algn="l"/>
+                <a:tab pos="2327275" algn="l"/>
+                <a:tab pos="2908300" algn="l"/>
+                <a:tab pos="3489325" algn="l"/>
+                <a:tab pos="4071938" algn="l"/>
+                <a:tab pos="4652963" algn="l"/>
+                <a:tab pos="5235575" algn="l"/>
+                <a:tab pos="5816600" algn="l"/>
+                <a:tab pos="6397625" algn="l"/>
+                <a:tab pos="6980238" algn="l"/>
+                <a:tab pos="7561263" algn="l"/>
+                <a:tab pos="8143875" algn="l"/>
+                <a:tab pos="8724900" algn="l"/>
+                <a:tab pos="9305925" algn="l"/>
+              </a:tabLst>
+            </a:pPr>
+            <a:r>
+              <a:rPr lang="en-US" altLang="en-US" sz="900" dirty="0">
                 <a:latin typeface="Courier" pitchFamily="2" charset="0"/>
-              </a:rPr>
-              <a:t>    |         Error Estimate        |  MBZ                          |</a:t>
-            </a:r>
-          </a:p>
-          <a:p>
-            <a:r>
-              <a:rPr lang="en-CA" sz="800" dirty="0">
+                <a:ea typeface="Times New Roman" panose="02020603050405020304" pitchFamily="18" charset="0"/>
+              </a:rPr>
+              <a:t>+-+-+-+-+-+-+-+-+-+-+-+-+-+-+-+-+-+-+-+-+-+-+-+-+-+-+-+-+-+-+-+-+</a:t>
+            </a:r>
+            <a:endParaRPr lang="en-US" altLang="en-US" sz="900" dirty="0">
+              <a:latin typeface="Courier" pitchFamily="2" charset="0"/>
+            </a:endParaRPr>
+          </a:p>
+          <a:p>
+            <a:pPr lvl="0" eaLnBrk="0" hangingPunct="0">
+              <a:tabLst>
+                <a:tab pos="581025" algn="l"/>
+                <a:tab pos="1163638" algn="l"/>
+                <a:tab pos="1744663" algn="l"/>
+                <a:tab pos="2327275" algn="l"/>
+                <a:tab pos="2908300" algn="l"/>
+                <a:tab pos="3489325" algn="l"/>
+                <a:tab pos="4071938" algn="l"/>
+                <a:tab pos="4652963" algn="l"/>
+                <a:tab pos="5235575" algn="l"/>
+                <a:tab pos="5816600" algn="l"/>
+                <a:tab pos="6397625" algn="l"/>
+                <a:tab pos="6980238" algn="l"/>
+                <a:tab pos="7561263" algn="l"/>
+                <a:tab pos="8143875" algn="l"/>
+                <a:tab pos="8724900" algn="l"/>
+                <a:tab pos="9305925" algn="l"/>
+              </a:tabLst>
+            </a:pPr>
+            <a:r>
+              <a:rPr lang="en-US" altLang="en-US" sz="900" dirty="0">
                 <a:latin typeface="Courier" pitchFamily="2" charset="0"/>
-              </a:rPr>
-              <a:t>    +-+-+-+-+-+-+-+-+-+-+-+-+-+-+-+-+-+-+-+-+-+-+-+-+-+-+-+-+-+-+-+-+</a:t>
-            </a:r>
-          </a:p>
-          <a:p>
-            <a:r>
-              <a:rPr lang="en-CA" sz="800" dirty="0">
+                <a:ea typeface="Times New Roman" panose="02020603050405020304" pitchFamily="18" charset="0"/>
+                <a:cs typeface="Times New Roman" panose="02020603050405020304" pitchFamily="18" charset="0"/>
+              </a:rPr>
+              <a:t>|         Error Estimate        |            MBZ                |</a:t>
+            </a:r>
+            <a:endParaRPr lang="en-US" altLang="en-US" sz="900" dirty="0">
+              <a:latin typeface="Courier" pitchFamily="2" charset="0"/>
+            </a:endParaRPr>
+          </a:p>
+          <a:p>
+            <a:pPr lvl="0" eaLnBrk="0" hangingPunct="0">
+              <a:tabLst>
+                <a:tab pos="581025" algn="l"/>
+                <a:tab pos="1163638" algn="l"/>
+                <a:tab pos="1744663" algn="l"/>
+                <a:tab pos="2327275" algn="l"/>
+                <a:tab pos="2908300" algn="l"/>
+                <a:tab pos="3489325" algn="l"/>
+                <a:tab pos="4071938" algn="l"/>
+                <a:tab pos="4652963" algn="l"/>
+                <a:tab pos="5235575" algn="l"/>
+                <a:tab pos="5816600" algn="l"/>
+                <a:tab pos="6397625" algn="l"/>
+                <a:tab pos="6980238" algn="l"/>
+                <a:tab pos="7561263" algn="l"/>
+                <a:tab pos="8143875" algn="l"/>
+                <a:tab pos="8724900" algn="l"/>
+                <a:tab pos="9305925" algn="l"/>
+              </a:tabLst>
+            </a:pPr>
+            <a:r>
+              <a:rPr lang="en-US" altLang="en-US" sz="900" dirty="0">
                 <a:latin typeface="Courier" pitchFamily="2" charset="0"/>
-              </a:rPr>
-              <a:t>    |         MBZ                                   |</a:t>
-            </a:r>
-            <a:r>
-              <a:rPr lang="en-CA" sz="800" dirty="0">
+                <a:ea typeface="Times New Roman" panose="02020603050405020304" pitchFamily="18" charset="0"/>
+                <a:cs typeface="Times New Roman" panose="02020603050405020304" pitchFamily="18" charset="0"/>
+              </a:rPr>
+              <a:t>+-+-+-+-+-+-+-+-+-+-+-+-+-+-+-+-+-+-+-+-+-+-+-+-+-+-+-+-+-+-+-+-+</a:t>
+            </a:r>
+            <a:endParaRPr lang="en-US" altLang="en-US" sz="900" dirty="0">
+              <a:latin typeface="Courier" pitchFamily="2" charset="0"/>
+            </a:endParaRPr>
+          </a:p>
+          <a:p>
+            <a:pPr lvl="0" eaLnBrk="0" hangingPunct="0">
+              <a:tabLst>
+                <a:tab pos="581025" algn="l"/>
+                <a:tab pos="1163638" algn="l"/>
+                <a:tab pos="1744663" algn="l"/>
+                <a:tab pos="2327275" algn="l"/>
+                <a:tab pos="2908300" algn="l"/>
+                <a:tab pos="3489325" algn="l"/>
+                <a:tab pos="4071938" algn="l"/>
+                <a:tab pos="4652963" algn="l"/>
+                <a:tab pos="5235575" algn="l"/>
+                <a:tab pos="5816600" algn="l"/>
+                <a:tab pos="6397625" algn="l"/>
+                <a:tab pos="6980238" algn="l"/>
+                <a:tab pos="7561263" algn="l"/>
+                <a:tab pos="8143875" algn="l"/>
+                <a:tab pos="8724900" algn="l"/>
+                <a:tab pos="9305925" algn="l"/>
+              </a:tabLst>
+            </a:pPr>
+            <a:r>
+              <a:rPr lang="en-US" altLang="en-US" sz="900" dirty="0">
+                <a:latin typeface="Courier" pitchFamily="2" charset="0"/>
+                <a:ea typeface="Times New Roman" panose="02020603050405020304" pitchFamily="18" charset="0"/>
+                <a:cs typeface="Times New Roman" panose="02020603050405020304" pitchFamily="18" charset="0"/>
+              </a:rPr>
+              <a:t>|         MBZ                                   |</a:t>
+            </a:r>
+            <a:r>
+              <a:rPr lang="en-US" altLang="en-US" sz="900" b="1" dirty="0">
                 <a:solidFill>
                   <a:srgbClr val="0070C0"/>
                 </a:solidFill>
                 <a:latin typeface="Courier" pitchFamily="2" charset="0"/>
+                <a:ea typeface="Times New Roman" panose="02020603050405020304" pitchFamily="18" charset="0"/>
+                <a:cs typeface="Times New Roman" panose="02020603050405020304" pitchFamily="18" charset="0"/>
               </a:rPr>
               <a:t>Se Control Code</a:t>
             </a:r>
             <a:r>
-              <a:rPr lang="en-CA" sz="800" dirty="0">
+              <a:rPr lang="en-US" altLang="en-US" sz="900" dirty="0">
                 <a:latin typeface="Courier" pitchFamily="2" charset="0"/>
+                <a:ea typeface="Times New Roman" panose="02020603050405020304" pitchFamily="18" charset="0"/>
+                <a:cs typeface="Times New Roman" panose="02020603050405020304" pitchFamily="18" charset="0"/>
               </a:rPr>
               <a:t>|</a:t>
             </a:r>
-          </a:p>
-          <a:p>
-            <a:r>
-              <a:rPr lang="en-CA" sz="800" dirty="0">
+            <a:endParaRPr lang="en-US" altLang="en-US" sz="900" dirty="0">
+              <a:latin typeface="Courier" pitchFamily="2" charset="0"/>
+            </a:endParaRPr>
+          </a:p>
+          <a:p>
+            <a:pPr lvl="0" eaLnBrk="0" hangingPunct="0">
+              <a:tabLst>
+                <a:tab pos="581025" algn="l"/>
+                <a:tab pos="1163638" algn="l"/>
+                <a:tab pos="1744663" algn="l"/>
+                <a:tab pos="2327275" algn="l"/>
+                <a:tab pos="2908300" algn="l"/>
+                <a:tab pos="3489325" algn="l"/>
+                <a:tab pos="4071938" algn="l"/>
+                <a:tab pos="4652963" algn="l"/>
+                <a:tab pos="5235575" algn="l"/>
+                <a:tab pos="5816600" algn="l"/>
+                <a:tab pos="6397625" algn="l"/>
+                <a:tab pos="6980238" algn="l"/>
+                <a:tab pos="7561263" algn="l"/>
+                <a:tab pos="8143875" algn="l"/>
+                <a:tab pos="8724900" algn="l"/>
+                <a:tab pos="9305925" algn="l"/>
+              </a:tabLst>
+            </a:pPr>
+            <a:r>
+              <a:rPr lang="en-US" altLang="en-US" sz="900" dirty="0">
                 <a:latin typeface="Courier" pitchFamily="2" charset="0"/>
-              </a:rPr>
-              <a:t>    +-+-+-+-+-+-+-+-+-+-+-+-+-+-+-+-+-+-+-+-+-+-+-+-+-+-+-+-+-+-+-+-+</a:t>
-            </a:r>
-          </a:p>
-          <a:p>
-            <a:r>
-              <a:rPr lang="en-CA" sz="800" dirty="0">
+                <a:ea typeface="Times New Roman" panose="02020603050405020304" pitchFamily="18" charset="0"/>
+                <a:cs typeface="Times New Roman" panose="02020603050405020304" pitchFamily="18" charset="0"/>
+              </a:rPr>
+              <a:t>+-+-+-+-+-+-+-+-+-+-+-+-+-+-+-+-+-+-+-+-+-+-+-+-+-+-+-+-+-+-+-+-+</a:t>
+            </a:r>
+            <a:endParaRPr lang="en-US" altLang="en-US" sz="900" dirty="0">
+              <a:latin typeface="Courier" pitchFamily="2" charset="0"/>
+              <a:ea typeface="Times New Roman" panose="02020603050405020304" pitchFamily="18" charset="0"/>
+            </a:endParaRPr>
+          </a:p>
+          <a:p>
+            <a:pPr lvl="0" eaLnBrk="0" hangingPunct="0">
+              <a:tabLst>
+                <a:tab pos="581025" algn="l"/>
+                <a:tab pos="1163638" algn="l"/>
+                <a:tab pos="1744663" algn="l"/>
+                <a:tab pos="2327275" algn="l"/>
+                <a:tab pos="2908300" algn="l"/>
+                <a:tab pos="3489325" algn="l"/>
+                <a:tab pos="4071938" algn="l"/>
+                <a:tab pos="4652963" algn="l"/>
+                <a:tab pos="5235575" algn="l"/>
+                <a:tab pos="5816600" algn="l"/>
+                <a:tab pos="6397625" algn="l"/>
+                <a:tab pos="6980238" algn="l"/>
+                <a:tab pos="7561263" algn="l"/>
+                <a:tab pos="8143875" algn="l"/>
+                <a:tab pos="8724900" algn="l"/>
+                <a:tab pos="9305925" algn="l"/>
+              </a:tabLst>
+            </a:pPr>
+            <a:r>
+              <a:rPr lang="en-US" altLang="en-US" sz="900" dirty="0">
                 <a:latin typeface="Courier" pitchFamily="2" charset="0"/>
-              </a:rPr>
-              <a:t>    .                                                               .</a:t>
-            </a:r>
-          </a:p>
-          <a:p>
-            <a:r>
-              <a:rPr lang="en-CA" sz="800" dirty="0">
+                <a:ea typeface="Times New Roman" panose="02020603050405020304" pitchFamily="18" charset="0"/>
+              </a:rPr>
+              <a:t>|                          Padding                              |</a:t>
+            </a:r>
+          </a:p>
+          <a:p>
+            <a:pPr lvl="0" eaLnBrk="0" hangingPunct="0">
+              <a:tabLst>
+                <a:tab pos="581025" algn="l"/>
+                <a:tab pos="1163638" algn="l"/>
+                <a:tab pos="1744663" algn="l"/>
+                <a:tab pos="2327275" algn="l"/>
+                <a:tab pos="2908300" algn="l"/>
+                <a:tab pos="3489325" algn="l"/>
+                <a:tab pos="4071938" algn="l"/>
+                <a:tab pos="4652963" algn="l"/>
+                <a:tab pos="5235575" algn="l"/>
+                <a:tab pos="5816600" algn="l"/>
+                <a:tab pos="6397625" algn="l"/>
+                <a:tab pos="6980238" algn="l"/>
+                <a:tab pos="7561263" algn="l"/>
+                <a:tab pos="8143875" algn="l"/>
+                <a:tab pos="8724900" algn="l"/>
+                <a:tab pos="9305925" algn="l"/>
+              </a:tabLst>
+            </a:pPr>
+            <a:r>
+              <a:rPr lang="en-US" altLang="en-US" sz="900" dirty="0">
                 <a:latin typeface="Courier" pitchFamily="2" charset="0"/>
-              </a:rPr>
-              <a:t>    .                                                               .</a:t>
-            </a:r>
-          </a:p>
-          <a:p>
-            <a:r>
-              <a:rPr lang="en-CA" sz="800" dirty="0">
+                <a:ea typeface="Times New Roman" panose="02020603050405020304" pitchFamily="18" charset="0"/>
+              </a:rPr>
+              <a:t>|                                                               |</a:t>
+            </a:r>
+          </a:p>
+          <a:p>
+            <a:pPr lvl="0" eaLnBrk="0" hangingPunct="0">
+              <a:tabLst>
+                <a:tab pos="581025" algn="l"/>
+                <a:tab pos="1163638" algn="l"/>
+                <a:tab pos="1744663" algn="l"/>
+                <a:tab pos="2327275" algn="l"/>
+                <a:tab pos="2908300" algn="l"/>
+                <a:tab pos="3489325" algn="l"/>
+                <a:tab pos="4071938" algn="l"/>
+                <a:tab pos="4652963" algn="l"/>
+                <a:tab pos="5235575" algn="l"/>
+                <a:tab pos="5816600" algn="l"/>
+                <a:tab pos="6397625" algn="l"/>
+                <a:tab pos="6980238" algn="l"/>
+                <a:tab pos="7561263" algn="l"/>
+                <a:tab pos="8143875" algn="l"/>
+                <a:tab pos="8724900" algn="l"/>
+                <a:tab pos="9305925" algn="l"/>
+              </a:tabLst>
+            </a:pPr>
+            <a:r>
+              <a:rPr lang="en-US" altLang="en-US" sz="900" dirty="0">
                 <a:latin typeface="Courier" pitchFamily="2" charset="0"/>
+                <a:ea typeface="Times New Roman" panose="02020603050405020304" pitchFamily="18" charset="0"/>
+              </a:rPr>
+              <a:t>.                                                               .</a:t>
+            </a:r>
+          </a:p>
+          <a:p>
+            <a:pPr lvl="0" eaLnBrk="0" hangingPunct="0">
+              <a:tabLst>
+                <a:tab pos="581025" algn="l"/>
+                <a:tab pos="1163638" algn="l"/>
+                <a:tab pos="1744663" algn="l"/>
+                <a:tab pos="2327275" algn="l"/>
+                <a:tab pos="2908300" algn="l"/>
+                <a:tab pos="3489325" algn="l"/>
+                <a:tab pos="4071938" algn="l"/>
+                <a:tab pos="4652963" algn="l"/>
+                <a:tab pos="5235575" algn="l"/>
+                <a:tab pos="5816600" algn="l"/>
+                <a:tab pos="6397625" algn="l"/>
+                <a:tab pos="6980238" algn="l"/>
+                <a:tab pos="7561263" algn="l"/>
+                <a:tab pos="8143875" algn="l"/>
+                <a:tab pos="8724900" algn="l"/>
+                <a:tab pos="9305925" algn="l"/>
+              </a:tabLst>
+            </a:pPr>
+            <a:r>
+              <a:rPr lang="en-US" altLang="en-US" sz="900" dirty="0">
+                <a:latin typeface="Courier" pitchFamily="2" charset="0"/>
+                <a:ea typeface="Times New Roman" panose="02020603050405020304" pitchFamily="18" charset="0"/>
+              </a:rPr>
+              <a:t>+-+-+-+-+-+-+-+-+-+-+-+-+-+-+-+-+-+-+-+-+-+-+-+-+-+-+-+-+-+-+-+-+</a:t>
+            </a:r>
+          </a:p>
+          <a:p>
+            <a:endParaRPr lang="en-CA" sz="900" dirty="0">
+              <a:latin typeface="Courier" pitchFamily="2" charset="0"/>
+            </a:endParaRPr>
+          </a:p>
+          <a:p>
+            <a:r>
+              <a:rPr lang="en-CA" sz="900" dirty="0">
+                <a:latin typeface="Courier" pitchFamily="2" charset="0"/>
               </a:rPr>
               <a:t>  </a:t>
             </a:r>
           </a:p>
           <a:p>
             <a:r>
-              <a:rPr lang="en-CA" sz="800" dirty="0">
+              <a:rPr lang="en-CA" sz="900" dirty="0">
                 <a:latin typeface="Courier" pitchFamily="2" charset="0"/>
               </a:rPr>
-              <a:t>             Figure: Control Code in TWAMP Light Query Message</a:t>
+              <a:t>          Figure: Control Code in TWAMP Light Query Message</a:t>
             </a:r>
           </a:p>
         </p:txBody>
@@ -10580,7 +10902,7 @@
         <p:spPr>
           <a:xfrm>
             <a:off x="228600" y="971550"/>
-            <a:ext cx="3886200" cy="3231654"/>
+            <a:ext cx="3733800" cy="2492990"/>
           </a:xfrm>
           <a:prstGeom prst="rect">
             <a:avLst/>
@@ -10600,7 +10922,7 @@
                 <a:latin typeface="Calibri" panose="020F0502020204030204" pitchFamily="34" charset="0"/>
                 <a:cs typeface="Calibri" panose="020F0502020204030204" pitchFamily="34" charset="0"/>
               </a:rPr>
-              <a:t>For a Query: </a:t>
+              <a:t>In a Query: </a:t>
             </a:r>
             <a:r>
               <a:rPr lang="en-US" sz="1200" b="1" dirty="0">
@@ -10680,18 +11002,6 @@
             </a:r>
           </a:p>
           <a:p>
-            <a:r>
-              <a:rPr lang="en-US" sz="1200" b="1" dirty="0">
-                <a:solidFill>
-                  <a:schemeClr val="tx2"/>
-                </a:solidFill>
-                <a:latin typeface="Calibri" panose="020F0502020204030204" pitchFamily="34" charset="0"/>
-                <a:cs typeface="Calibri" panose="020F0502020204030204" pitchFamily="34" charset="0"/>
-              </a:rPr>
-              <a:t>Also applicable to non-SR path.</a:t>
-            </a:r>
-          </a:p>
-          <a:p>
             <a:endParaRPr lang="en-US" sz="1200" dirty="0">
               <a:solidFill>
                 <a:schemeClr val="tx2"/>
@@ -10702,24 +11012,14 @@
           </a:p>
           <a:p>
             <a:r>
-              <a:rPr lang="en-US" sz="1200" b="1" dirty="0">
+              <a:rPr lang="en-US" sz="1200" dirty="0">
                 <a:solidFill>
                   <a:schemeClr val="tx2"/>
                 </a:solidFill>
                 <a:latin typeface="Calibri" panose="020F0502020204030204" pitchFamily="34" charset="0"/>
                 <a:cs typeface="Calibri" panose="020F0502020204030204" pitchFamily="34" charset="0"/>
               </a:rPr>
-              <a:t>For a Response: </a:t>
-            </a:r>
-            <a:r>
-              <a:rPr lang="en-US" sz="1200" b="1" dirty="0">
-                <a:solidFill>
-                  <a:srgbClr val="0070C0"/>
-                </a:solidFill>
-                <a:latin typeface="Calibri" panose="020F0502020204030204" pitchFamily="34" charset="0"/>
-                <a:cs typeface="Calibri" panose="020F0502020204030204" pitchFamily="34" charset="0"/>
-              </a:rPr>
-              <a:t>Reflector Control Code</a:t>
+              <a:t>0x2: No Response Requested.</a:t>
             </a:r>
           </a:p>
           <a:p>
@@ -10733,30 +11033,6 @@
           </a:p>
           <a:p>
             <a:r>
-              <a:rPr lang="en-US" sz="1200" dirty="0">
-                <a:solidFill>
-                  <a:schemeClr val="tx2"/>
-                </a:solidFill>
-                <a:latin typeface="Calibri" panose="020F0502020204030204" pitchFamily="34" charset="0"/>
-                <a:cs typeface="Calibri" panose="020F0502020204030204" pitchFamily="34" charset="0"/>
-              </a:rPr>
-              <a:t>0x1: Error - Invalid Message.  </a:t>
-            </a:r>
-          </a:p>
-          <a:p>
-            <a:r>
-              <a:rPr lang="en-US" sz="1200" dirty="0">
-                <a:solidFill>
-                  <a:schemeClr val="tx2"/>
-                </a:solidFill>
-                <a:latin typeface="Calibri" panose="020F0502020204030204" pitchFamily="34" charset="0"/>
-                <a:cs typeface="Calibri" panose="020F0502020204030204" pitchFamily="34" charset="0"/>
-              </a:rPr>
-              <a:t>Indicates that the operation failed because the received query message could not be processed.</a:t>
-            </a:r>
-          </a:p>
-          <a:p>
-            <a:r>
               <a:rPr lang="en-US" sz="1200" b="1" dirty="0">
                 <a:solidFill>
                   <a:schemeClr val="tx2"/>
@@ -10764,156 +11040,7 @@
                 <a:latin typeface="Calibri" panose="020F0502020204030204" pitchFamily="34" charset="0"/>
                 <a:cs typeface="Calibri" panose="020F0502020204030204" pitchFamily="34" charset="0"/>
               </a:rPr>
-              <a:t>0xN: Additional Error will be defined in future</a:t>
-            </a:r>
-          </a:p>
-        </p:txBody>
-      </p:sp>
-      <p:sp>
-        <p:nvSpPr>
-          <p:cNvPr id="9" name="Rectangle 8">
-            <a:extLst>
-              <a:ext uri="{FF2B5EF4-FFF2-40B4-BE49-F238E27FC236}">
-                <a16:creationId xmlns:a16="http://schemas.microsoft.com/office/drawing/2014/main" id="{336632B4-4944-334C-9791-A67122539559}"/>
-              </a:ext>
-            </a:extLst>
-          </p:cNvPr>
-          <p:cNvSpPr/>
-          <p:nvPr/>
-        </p:nvSpPr>
-        <p:spPr>
-          <a:xfrm>
-            <a:off x="4114800" y="3105473"/>
-            <a:ext cx="4648200" cy="1446550"/>
-          </a:xfrm>
-          <a:prstGeom prst="rect">
-            <a:avLst/>
-          </a:prstGeom>
-          <a:solidFill>
-            <a:schemeClr val="accent6">
-              <a:lumMod val="20000"/>
-              <a:lumOff val="80000"/>
-            </a:schemeClr>
-          </a:solidFill>
-        </p:spPr>
-        <p:txBody>
-          <a:bodyPr wrap="square">
-            <a:spAutoFit/>
-          </a:bodyPr>
-          <a:lstStyle/>
-          <a:p>
-            <a:r>
-              <a:rPr lang="en-CA" sz="800" dirty="0">
-                <a:latin typeface="Courier" pitchFamily="2" charset="0"/>
-              </a:rPr>
-              <a:t>    .                                                               .</a:t>
-            </a:r>
-          </a:p>
-          <a:p>
-            <a:r>
-              <a:rPr lang="en-CA" sz="800" dirty="0">
-                <a:latin typeface="Courier" pitchFamily="2" charset="0"/>
-              </a:rPr>
-              <a:t>    .                                                               .</a:t>
-            </a:r>
-          </a:p>
-          <a:p>
-            <a:r>
-              <a:rPr lang="en-CA" sz="800" dirty="0">
-                <a:latin typeface="Courier" pitchFamily="2" charset="0"/>
-              </a:rPr>
-              <a:t>    +-+-+-+-+-+-+-+-+-+-+-+-+-+-+-+-+-+-+-+-+-+-+-+-+-+-+-+-+-+-+-+-+</a:t>
-            </a:r>
-          </a:p>
-          <a:p>
-            <a:r>
-              <a:rPr lang="en-CA" sz="800" dirty="0">
-                <a:latin typeface="Courier" pitchFamily="2" charset="0"/>
-              </a:rPr>
-              <a:t>    | Session-Sender Error Estimate | MBZ           |</a:t>
-            </a:r>
-            <a:r>
-              <a:rPr lang="en-CA" sz="800" dirty="0">
-                <a:solidFill>
-                  <a:srgbClr val="0070C0"/>
-                </a:solidFill>
-                <a:latin typeface="Courier" pitchFamily="2" charset="0"/>
-              </a:rPr>
-              <a:t>Re Control Code</a:t>
-            </a:r>
-            <a:r>
-              <a:rPr lang="en-CA" sz="800" dirty="0">
-                <a:latin typeface="Courier" pitchFamily="2" charset="0"/>
-              </a:rPr>
-              <a:t>|</a:t>
-            </a:r>
-          </a:p>
-          <a:p>
-            <a:r>
-              <a:rPr lang="en-CA" sz="800" dirty="0">
-                <a:latin typeface="Courier" pitchFamily="2" charset="0"/>
-              </a:rPr>
-              <a:t>    +-+-+-+-+-+-+-+-+-+-+-+-+-+-+-+-+-+-+-+-+-+-+-+-+-+-+-+-+-+-+-+-+</a:t>
-            </a:r>
-          </a:p>
-          <a:p>
-            <a:r>
-              <a:rPr lang="en-CA" sz="800" dirty="0">
-                <a:latin typeface="Courier" pitchFamily="2" charset="0"/>
-              </a:rPr>
-              <a:t>    |</a:t>
-            </a:r>
-            <a:r>
-              <a:rPr lang="en-CA" sz="800" dirty="0" err="1">
-                <a:latin typeface="Courier" pitchFamily="2" charset="0"/>
-              </a:rPr>
-              <a:t>Ses</a:t>
-            </a:r>
-            <a:r>
-              <a:rPr lang="en-CA" sz="800" dirty="0">
-                <a:latin typeface="Courier" pitchFamily="2" charset="0"/>
-              </a:rPr>
-              <a:t>-Sender TTL |                 MBZ                           |</a:t>
-            </a:r>
-          </a:p>
-          <a:p>
-            <a:r>
-              <a:rPr lang="en-CA" sz="800" dirty="0">
-                <a:latin typeface="Courier" pitchFamily="2" charset="0"/>
-              </a:rPr>
-              <a:t>    +-+-+-+-+-+-+-+-+-+-+-+-+-+-+-+-+-+-+-+-+-+-+-+-+-+-+-+-+-+-+-+-+</a:t>
-            </a:r>
-          </a:p>
-          <a:p>
-            <a:r>
-              <a:rPr lang="en-CA" sz="800" dirty="0">
-                <a:latin typeface="Courier" pitchFamily="2" charset="0"/>
-              </a:rPr>
-              <a:t>    .                                                               .</a:t>
-            </a:r>
-          </a:p>
-          <a:p>
-            <a:r>
-              <a:rPr lang="en-CA" sz="800" dirty="0">
-                <a:latin typeface="Courier" pitchFamily="2" charset="0"/>
-              </a:rPr>
-              <a:t>    .                                                               .</a:t>
-            </a:r>
-          </a:p>
-          <a:p>
-            <a:r>
-              <a:rPr lang="en-CA" sz="800" dirty="0">
-                <a:latin typeface="Courier" pitchFamily="2" charset="0"/>
-              </a:rPr>
-              <a:t> </a:t>
-            </a:r>
-          </a:p>
-          <a:p>
-            <a:r>
-              <a:rPr lang="en-CA" sz="800" dirty="0">
-                <a:latin typeface="Courier" pitchFamily="2" charset="0"/>
-              </a:rPr>
-              <a:t>           Figure: Control Code in TWAMP Light Response Message</a:t>
+              <a:t>Also applicable to non-SR paths.</a:t>
             </a:r>
           </a:p>
         </p:txBody>

--- a/draft-gandhi-spring-twamp-srpm-09.pptx
+++ b/draft-gandhi-spring-twamp-srpm-09.pptx
@@ -8623,23 +8623,7 @@
                   <a:schemeClr val="tx2"/>
                 </a:solidFill>
               </a:rPr>
-              <a:t>Does not modify existing TWAMP Light  (which is for DM) procedure as different UDP destination </a:t>
-            </a:r>
-            <a:r>
-              <a:rPr lang="en-US" sz="1400" b="1" kern="0" dirty="0">
-                <a:solidFill>
-                  <a:srgbClr val="0070C0"/>
-                </a:solidFill>
-              </a:rPr>
-              <a:t>Port2</a:t>
-            </a:r>
-            <a:r>
-              <a:rPr lang="en-US" sz="1400" kern="0" dirty="0">
-                <a:solidFill>
-                  <a:schemeClr val="tx2"/>
-                </a:solidFill>
-              </a:rPr>
-              <a:t> is used for LM</a:t>
+              <a:t>Does not modify existing TWAMP Light  (which is for DM) procedure as different destination UDP is used for LM</a:t>
             </a:r>
           </a:p>
         </p:txBody>

--- a/draft-gandhi-spring-twamp-srpm-09.pptx
+++ b/draft-gandhi-spring-twamp-srpm-09.pptx
@@ -260,7 +260,7 @@
           <a:p>
             <a:fld id="{E8FA3DB5-7722-3F4F-947D-12B203669AD7}" type="datetimeFigureOut">
               <a:rPr lang="en-US" smtClean="0"/>
-              <a:t>6/2/20</a:t>
+              <a:t>6/3/20</a:t>
             </a:fld>
             <a:endParaRPr lang="en-US"/>
           </a:p>
@@ -5910,23 +5910,23 @@
           <a:lstStyle/>
           <a:p>
             <a:r>
-              <a:rPr lang="en-US" sz="1600" dirty="0"/>
+              <a:rPr lang="en-US" sz="1800" dirty="0"/>
               <a:t>User-configured destination UDP </a:t>
             </a:r>
             <a:r>
-              <a:rPr lang="en-US" sz="1600" b="1" dirty="0"/>
+              <a:rPr lang="en-US" sz="1800" b="1" dirty="0"/>
               <a:t>port1</a:t>
             </a:r>
             <a:r>
-              <a:rPr lang="en-US" sz="1600" dirty="0"/>
+              <a:rPr lang="en-US" sz="1800" dirty="0"/>
               <a:t> is used for DM probe messages and </a:t>
             </a:r>
             <a:r>
-              <a:rPr lang="en-US" sz="1600" b="1" dirty="0"/>
+              <a:rPr lang="en-US" sz="1800" b="1" dirty="0"/>
               <a:t>port2</a:t>
             </a:r>
             <a:r>
-              <a:rPr lang="en-US" sz="1600" dirty="0"/>
+              <a:rPr lang="en-US" sz="1800" dirty="0"/>
               <a:t> is used for LM probe messages, both in unauthenticated mode.</a:t>
             </a:r>
           </a:p>
@@ -8604,11 +8604,7 @@
               <a:t>User-configured destination UDP </a:t>
             </a:r>
             <a:r>
-              <a:rPr lang="en-US" sz="1400" b="1" kern="0" dirty="0">
-                <a:solidFill>
-                  <a:srgbClr val="0070C0"/>
-                </a:solidFill>
-              </a:rPr>
+              <a:rPr lang="en-US" sz="1400" b="1" kern="0" dirty="0"/>
               <a:t>Port2</a:t>
             </a:r>
             <a:r>
@@ -8618,11 +8614,7 @@
           </a:p>
           <a:p>
             <a:r>
-              <a:rPr lang="en-US" sz="1400" kern="0" dirty="0">
-                <a:solidFill>
-                  <a:schemeClr val="tx2"/>
-                </a:solidFill>
-              </a:rPr>
+              <a:rPr lang="en-US" sz="1400" kern="0" dirty="0"/>
               <a:t>Does not modify existing TWAMP Light  (which is for DM) procedure as different destination UDP is used for LM</a:t>
             </a:r>
           </a:p>
@@ -10084,25 +10076,6 @@
             </a:pPr>
             <a:r>
               <a:rPr lang="en-US" sz="1600" dirty="0"/>
-              <a:t>Moved Loopback mode to a new draft </a:t>
-            </a:r>
-            <a:r>
-              <a:rPr lang="en-US" sz="1600"/>
-              <a:t>- </a:t>
-            </a:r>
-            <a:r>
-              <a:rPr lang="en-US" sz="1600" i="1"/>
-              <a:t>draft-gandhi-spring-sr-enhanced-plm-00</a:t>
-            </a:r>
-            <a:endParaRPr lang="en-US" sz="1600" dirty="0"/>
-          </a:p>
-          <a:p>
-            <a:pPr marL="800100" lvl="1" indent="-342900">
-              <a:buFont typeface="+mj-lt"/>
-              <a:buAutoNum type="arabicPeriod"/>
-            </a:pPr>
-            <a:r>
-              <a:rPr lang="en-US" sz="1600" dirty="0"/>
               <a:t>Various editorial changes 	</a:t>
             </a:r>
           </a:p>
@@ -10886,7 +10859,7 @@
         <p:spPr>
           <a:xfrm>
             <a:off x="228600" y="971550"/>
-            <a:ext cx="3733800" cy="2492990"/>
+            <a:ext cx="3733800" cy="3108543"/>
           </a:xfrm>
           <a:prstGeom prst="rect">
             <a:avLst/>
@@ -10899,7 +10872,7 @@
           <a:lstStyle/>
           <a:p>
             <a:r>
-              <a:rPr lang="en-US" sz="1200" b="1" dirty="0">
+              <a:rPr lang="en-US" sz="1400" b="1" dirty="0">
                 <a:solidFill>
                   <a:schemeClr val="tx2"/>
                 </a:solidFill>
@@ -10909,7 +10882,7 @@
               <a:t>In a Query: </a:t>
             </a:r>
             <a:r>
-              <a:rPr lang="en-US" sz="1200" b="1" dirty="0">
+              <a:rPr lang="en-US" sz="1400" b="1" dirty="0">
                 <a:solidFill>
                   <a:srgbClr val="0070C0"/>
                 </a:solidFill>
@@ -10920,7 +10893,7 @@
             </a:r>
           </a:p>
           <a:p>
-            <a:endParaRPr lang="en-US" sz="1200" dirty="0">
+            <a:endParaRPr lang="en-US" sz="1400" dirty="0">
               <a:solidFill>
                 <a:schemeClr val="tx2"/>
               </a:solidFill>
@@ -10930,7 +10903,7 @@
           </a:p>
           <a:p>
             <a:r>
-              <a:rPr lang="en-US" sz="1200" dirty="0">
+              <a:rPr lang="en-US" sz="1400" dirty="0">
                 <a:solidFill>
                   <a:schemeClr val="tx2"/>
                 </a:solidFill>
@@ -10942,7 +10915,7 @@
           </a:p>
           <a:p>
             <a:r>
-              <a:rPr lang="en-US" sz="1200" dirty="0">
+              <a:rPr lang="en-US" sz="1400" dirty="0">
                 <a:solidFill>
                   <a:schemeClr val="tx2"/>
                 </a:solidFill>
@@ -10953,7 +10926,7 @@
             </a:r>
           </a:p>
           <a:p>
-            <a:endParaRPr lang="en-US" sz="1200" dirty="0">
+            <a:endParaRPr lang="en-US" sz="1400" dirty="0">
               <a:solidFill>
                 <a:schemeClr val="tx2"/>
               </a:solidFill>
@@ -10963,7 +10936,7 @@
           </a:p>
           <a:p>
             <a:r>
-              <a:rPr lang="en-US" sz="1200" dirty="0">
+              <a:rPr lang="en-US" sz="1400" dirty="0">
                 <a:solidFill>
                   <a:schemeClr val="tx2"/>
                 </a:solidFill>
@@ -10975,7 +10948,7 @@
           </a:p>
           <a:p>
             <a:r>
-              <a:rPr lang="en-US" sz="1200" dirty="0">
+              <a:rPr lang="en-US" sz="1400" dirty="0">
                 <a:solidFill>
                   <a:schemeClr val="tx2"/>
                 </a:solidFill>
@@ -10986,7 +10959,7 @@
             </a:r>
           </a:p>
           <a:p>
-            <a:endParaRPr lang="en-US" sz="1200" dirty="0">
+            <a:endParaRPr lang="en-US" sz="1400" dirty="0">
               <a:solidFill>
                 <a:schemeClr val="tx2"/>
               </a:solidFill>
@@ -10996,7 +10969,7 @@
           </a:p>
           <a:p>
             <a:r>
-              <a:rPr lang="en-US" sz="1200" dirty="0">
+              <a:rPr lang="en-US" sz="1400" dirty="0">
                 <a:solidFill>
                   <a:schemeClr val="tx2"/>
                 </a:solidFill>
@@ -11007,7 +10980,7 @@
             </a:r>
           </a:p>
           <a:p>
-            <a:endParaRPr lang="en-US" sz="1200" dirty="0">
+            <a:endParaRPr lang="en-US" sz="1400" dirty="0">
               <a:solidFill>
                 <a:schemeClr val="tx2"/>
               </a:solidFill>
@@ -11017,7 +10990,7 @@
           </a:p>
           <a:p>
             <a:r>
-              <a:rPr lang="en-US" sz="1200" b="1" dirty="0">
+              <a:rPr lang="en-US" sz="1400" b="1" dirty="0">
                 <a:solidFill>
                   <a:schemeClr val="tx2"/>
                 </a:solidFill>

--- a/draft-gandhi-spring-twamp-srpm-09.pptx
+++ b/draft-gandhi-spring-twamp-srpm-09.pptx
@@ -6585,8 +6585,8 @@
         </p:nvSpPr>
         <p:spPr bwMode="auto">
           <a:xfrm>
-            <a:off x="228600" y="1250787"/>
-            <a:ext cx="3962400" cy="2641926"/>
+            <a:off x="228600" y="1311623"/>
+            <a:ext cx="3962400" cy="2022127"/>
           </a:xfrm>
           <a:prstGeom prst="rect">
             <a:avLst/>
@@ -6780,7 +6780,7 @@
             </a:pPr>
             <a:r>
               <a:rPr lang="en-US" sz="1600" dirty="0"/>
-              <a:t>MPLS label stack for SR-MPLS Policy</a:t>
+              <a:t>MPLS label stack of SR-MPLS Policy</a:t>
             </a:r>
           </a:p>
           <a:p>
@@ -6798,7 +6798,7 @@
             </a:r>
             <a:r>
               <a:rPr lang="en-US" sz="1600" dirty="0"/>
-              <a:t>] with Segment List for SRv6 Policy</a:t>
+              <a:t>] with Segment List of SRv6 Policy</a:t>
             </a:r>
           </a:p>
         </p:txBody>
@@ -6847,7 +6847,7 @@
         <p:spPr>
           <a:xfrm>
             <a:off x="4267200" y="1973510"/>
-            <a:ext cx="3962400" cy="3067598"/>
+            <a:ext cx="3962400" cy="3093154"/>
           </a:xfrm>
           <a:prstGeom prst="rect">
             <a:avLst/>
@@ -6931,7 +6931,7 @@
                 <a:ea typeface="Courier" charset="0"/>
                 <a:cs typeface="Courier" charset="0"/>
               </a:rPr>
-              <a:t>.  Destination IP Address = Next Hop IPv6 Address               .</a:t>
+              <a:t>.  Destination IP Address = Destination IPv6 Address            .</a:t>
             </a:r>
           </a:p>
           <a:p>
@@ -9827,15 +9827,7 @@
             </a:r>
             <a:r>
               <a:rPr lang="en-US" sz="1200" i="1" dirty="0"/>
-              <a:t>draft-</a:t>
-            </a:r>
-            <a:r>
-              <a:rPr lang="en-US" sz="1200" i="1" dirty="0" err="1"/>
-              <a:t>gandhi</a:t>
-            </a:r>
-            <a:r>
-              <a:rPr lang="en-US" sz="1200" i="1" dirty="0"/>
-              <a:t>--spring-</a:t>
+              <a:t>draft-gandhi-spring-</a:t>
             </a:r>
             <a:r>
               <a:rPr lang="en-US" sz="1200" b="1" i="1" dirty="0"/>

--- a/draft-gandhi-spring-twamp-srpm-09.pptx
+++ b/draft-gandhi-spring-twamp-srpm-09.pptx
@@ -260,7 +260,7 @@
           <a:p>
             <a:fld id="{E8FA3DB5-7722-3F4F-947D-12B203669AD7}" type="datetimeFigureOut">
               <a:rPr lang="en-US" smtClean="0"/>
-              <a:t>6/3/20</a:t>
+              <a:t>6/4/20</a:t>
             </a:fld>
             <a:endParaRPr lang="en-US"/>
           </a:p>
@@ -5767,7 +5767,7 @@
               <a:rPr lang="en-CA" sz="1200" dirty="0">
                 <a:latin typeface="Courier" pitchFamily="2" charset="0"/>
               </a:rPr>
-              <a:t>                     |       |            |       |</a:t>
+              <a:t>                     |       |  SR Path   |       |</a:t>
             </a:r>
           </a:p>
           <a:p>
@@ -5775,7 +5775,7 @@
               <a:rPr lang="en-CA" sz="1200" dirty="0">
                 <a:latin typeface="Courier" pitchFamily="2" charset="0"/>
               </a:rPr>
-              <a:t>                     +-------+            +-------+</a:t>
+              <a:t>                     +-------+  Or Link   +-------+</a:t>
             </a:r>
           </a:p>
           <a:p>
@@ -6847,7 +6847,7 @@
         <p:spPr>
           <a:xfrm>
             <a:off x="4267200" y="1973510"/>
-            <a:ext cx="3962400" cy="3093154"/>
+            <a:ext cx="3962400" cy="3208571"/>
           </a:xfrm>
           <a:prstGeom prst="rect">
             <a:avLst/>
@@ -7170,7 +7170,7 @@
                 <a:ea typeface="Courier" charset="0"/>
                 <a:cs typeface="Courier" charset="0"/>
               </a:rPr>
-              <a:t>+-+-+-+-+-+-+-+-+-+-+-+-+-+-+-+-+-+-+-+-+-+-+-+-+-+-+-+-+-+-+-+-+</a:t>
+              <a:t>+---------------------------------------------------------------+</a:t>
             </a:r>
           </a:p>
           <a:p>
@@ -7688,7 +7688,7 @@
         <p:spPr>
           <a:xfrm>
             <a:off x="4724400" y="237697"/>
-            <a:ext cx="4128052" cy="4401205"/>
+            <a:ext cx="4128052" cy="4647426"/>
           </a:xfrm>
           <a:prstGeom prst="rect">
             <a:avLst/>
@@ -8072,8 +8072,9 @@
             <a:r>
               <a:rPr lang="en-US" sz="800" dirty="0">
                 <a:solidFill>
-                  <a:schemeClr val="bg2">
-                    <a:lumMod val="50000"/>
+                  <a:schemeClr val="tx2">
+                    <a:lumMod val="60000"/>
+                    <a:lumOff val="40000"/>
                   </a:schemeClr>
                 </a:solidFill>
                 <a:latin typeface="Courier" pitchFamily="2" charset="0"/>
@@ -8092,8 +8093,9 @@
             <a:r>
               <a:rPr lang="en-US" sz="800" dirty="0">
                 <a:solidFill>
-                  <a:schemeClr val="bg2">
-                    <a:lumMod val="50000"/>
+                  <a:schemeClr val="tx2">
+                    <a:lumMod val="60000"/>
+                    <a:lumOff val="40000"/>
                   </a:schemeClr>
                 </a:solidFill>
                 <a:latin typeface="Courier" pitchFamily="2" charset="0"/>
@@ -8112,8 +8114,9 @@
             <a:r>
               <a:rPr lang="en-US" sz="800" dirty="0">
                 <a:solidFill>
-                  <a:schemeClr val="bg2">
-                    <a:lumMod val="50000"/>
+                  <a:schemeClr val="tx2">
+                    <a:lumMod val="60000"/>
+                    <a:lumOff val="40000"/>
                   </a:schemeClr>
                 </a:solidFill>
                 <a:latin typeface="Courier" pitchFamily="2" charset="0"/>
@@ -8132,8 +8135,9 @@
             <a:r>
               <a:rPr lang="en-US" sz="800" dirty="0">
                 <a:solidFill>
-                  <a:schemeClr val="bg2">
-                    <a:lumMod val="50000"/>
+                  <a:schemeClr val="tx2">
+                    <a:lumMod val="60000"/>
+                    <a:lumOff val="40000"/>
                   </a:schemeClr>
                 </a:solidFill>
                 <a:latin typeface="Courier" pitchFamily="2" charset="0"/>
@@ -8152,8 +8156,9 @@
             <a:r>
               <a:rPr lang="en-US" sz="800" dirty="0">
                 <a:solidFill>
-                  <a:schemeClr val="bg2">
-                    <a:lumMod val="50000"/>
+                  <a:schemeClr val="tx2">
+                    <a:lumMod val="60000"/>
+                    <a:lumOff val="40000"/>
                   </a:schemeClr>
                 </a:solidFill>
                 <a:latin typeface="Courier" pitchFamily="2" charset="0"/>
@@ -8172,8 +8177,9 @@
             <a:r>
               <a:rPr lang="en-US" sz="800" dirty="0">
                 <a:solidFill>
-                  <a:schemeClr val="bg2">
-                    <a:lumMod val="50000"/>
+                  <a:schemeClr val="tx2">
+                    <a:lumMod val="60000"/>
+                    <a:lumOff val="40000"/>
                   </a:schemeClr>
                 </a:solidFill>
                 <a:latin typeface="Courier" pitchFamily="2" charset="0"/>
@@ -8192,8 +8198,9 @@
             <a:r>
               <a:rPr lang="en-US" sz="800" dirty="0">
                 <a:solidFill>
-                  <a:schemeClr val="bg2">
-                    <a:lumMod val="50000"/>
+                  <a:schemeClr val="tx2">
+                    <a:lumMod val="60000"/>
+                    <a:lumOff val="40000"/>
                   </a:schemeClr>
                 </a:solidFill>
                 <a:latin typeface="Courier" pitchFamily="2" charset="0"/>
@@ -8212,8 +8219,9 @@
             <a:r>
               <a:rPr lang="en-US" sz="800" dirty="0">
                 <a:solidFill>
-                  <a:schemeClr val="bg2">
-                    <a:lumMod val="50000"/>
+                  <a:schemeClr val="tx2">
+                    <a:lumMod val="60000"/>
+                    <a:lumOff val="40000"/>
                   </a:schemeClr>
                 </a:solidFill>
                 <a:latin typeface="Courier" pitchFamily="2" charset="0"/>
@@ -8232,8 +8240,9 @@
             <a:r>
               <a:rPr lang="en-CA" sz="800" dirty="0">
                 <a:solidFill>
-                  <a:schemeClr val="bg2">
-                    <a:lumMod val="50000"/>
+                  <a:schemeClr val="tx2">
+                    <a:lumMod val="60000"/>
+                    <a:lumOff val="40000"/>
                   </a:schemeClr>
                 </a:solidFill>
                 <a:latin typeface="Courier" pitchFamily="2" charset="0"/>
@@ -8251,8 +8260,9 @@
             <a:r>
               <a:rPr lang="en-US" sz="800" dirty="0">
                 <a:solidFill>
-                  <a:schemeClr val="bg2">
-                    <a:lumMod val="50000"/>
+                  <a:schemeClr val="tx2">
+                    <a:lumMod val="60000"/>
+                    <a:lumOff val="40000"/>
                   </a:schemeClr>
                 </a:solidFill>
                 <a:latin typeface="Courier" pitchFamily="2" charset="0"/>
@@ -8271,8 +8281,9 @@
             <a:r>
               <a:rPr lang="en-US" sz="800" dirty="0">
                 <a:solidFill>
-                  <a:schemeClr val="bg2">
-                    <a:lumMod val="50000"/>
+                  <a:schemeClr val="tx2">
+                    <a:lumMod val="60000"/>
+                    <a:lumOff val="40000"/>
                   </a:schemeClr>
                 </a:solidFill>
                 <a:latin typeface="Courier" pitchFamily="2" charset="0"/>
@@ -8284,8 +8295,9 @@
             <a:r>
               <a:rPr lang="en-CA" sz="800" dirty="0">
                 <a:solidFill>
-                  <a:schemeClr val="bg2">
-                    <a:lumMod val="50000"/>
+                  <a:schemeClr val="tx2">
+                    <a:lumMod val="60000"/>
+                    <a:lumOff val="40000"/>
                   </a:schemeClr>
                 </a:solidFill>
                 <a:latin typeface="Courier" pitchFamily="2" charset="0"/>
@@ -8296,8 +8308,9 @@
             <a:r>
               <a:rPr lang="en-US" sz="800" dirty="0">
                 <a:solidFill>
-                  <a:schemeClr val="bg2">
-                    <a:lumMod val="50000"/>
+                  <a:schemeClr val="tx2">
+                    <a:lumMod val="60000"/>
+                    <a:lumOff val="40000"/>
                   </a:schemeClr>
                 </a:solidFill>
                 <a:latin typeface="Courier" pitchFamily="2" charset="0"/>
@@ -8316,8 +8329,9 @@
             <a:r>
               <a:rPr lang="en-US" sz="800" dirty="0">
                 <a:solidFill>
-                  <a:schemeClr val="bg2">
-                    <a:lumMod val="50000"/>
+                  <a:schemeClr val="tx2">
+                    <a:lumMod val="60000"/>
+                    <a:lumOff val="40000"/>
                   </a:schemeClr>
                 </a:solidFill>
                 <a:latin typeface="Courier" pitchFamily="2" charset="0"/>
@@ -8328,51 +8342,187 @@
             </a:r>
           </a:p>
           <a:p>
-            <a:pPr>
-              <a:spcAft>
-                <a:spcPts val="0"/>
-              </a:spcAft>
-            </a:pPr>
+            <a:pPr lvl="0" eaLnBrk="0" hangingPunct="0">
+              <a:tabLst>
+                <a:tab pos="581025" algn="l"/>
+                <a:tab pos="1163638" algn="l"/>
+                <a:tab pos="1744663" algn="l"/>
+                <a:tab pos="2327275" algn="l"/>
+                <a:tab pos="2908300" algn="l"/>
+                <a:tab pos="3489325" algn="l"/>
+                <a:tab pos="4071938" algn="l"/>
+                <a:tab pos="4652963" algn="l"/>
+                <a:tab pos="5235575" algn="l"/>
+                <a:tab pos="5816600" algn="l"/>
+                <a:tab pos="6397625" algn="l"/>
+                <a:tab pos="6980238" algn="l"/>
+                <a:tab pos="7561263" algn="l"/>
+                <a:tab pos="8143875" algn="l"/>
+                <a:tab pos="8724900" algn="l"/>
+                <a:tab pos="9305925" algn="l"/>
+              </a:tabLst>
+            </a:pPr>
+            <a:r>
+              <a:rPr lang="en-US" altLang="en-US" sz="800" dirty="0">
+                <a:solidFill>
+                  <a:schemeClr val="tx2">
+                    <a:lumMod val="60000"/>
+                    <a:lumOff val="40000"/>
+                  </a:schemeClr>
+                </a:solidFill>
+                <a:latin typeface="Courier" pitchFamily="2" charset="0"/>
+                <a:ea typeface="Times New Roman" panose="02020603050405020304" pitchFamily="18" charset="0"/>
+              </a:rPr>
+              <a:t>|                                                               |</a:t>
+            </a:r>
+          </a:p>
+          <a:p>
+            <a:pPr lvl="0" eaLnBrk="0" hangingPunct="0">
+              <a:tabLst>
+                <a:tab pos="581025" algn="l"/>
+                <a:tab pos="1163638" algn="l"/>
+                <a:tab pos="1744663" algn="l"/>
+                <a:tab pos="2327275" algn="l"/>
+                <a:tab pos="2908300" algn="l"/>
+                <a:tab pos="3489325" algn="l"/>
+                <a:tab pos="4071938" algn="l"/>
+                <a:tab pos="4652963" algn="l"/>
+                <a:tab pos="5235575" algn="l"/>
+                <a:tab pos="5816600" algn="l"/>
+                <a:tab pos="6397625" algn="l"/>
+                <a:tab pos="6980238" algn="l"/>
+                <a:tab pos="7561263" algn="l"/>
+                <a:tab pos="8143875" algn="l"/>
+                <a:tab pos="8724900" algn="l"/>
+                <a:tab pos="9305925" algn="l"/>
+              </a:tabLst>
+            </a:pPr>
+            <a:r>
+              <a:rPr lang="en-US" altLang="en-US" sz="800" dirty="0">
+                <a:solidFill>
+                  <a:schemeClr val="tx2">
+                    <a:lumMod val="60000"/>
+                    <a:lumOff val="40000"/>
+                  </a:schemeClr>
+                </a:solidFill>
+                <a:latin typeface="Courier" pitchFamily="2" charset="0"/>
+                <a:ea typeface="Times New Roman" panose="02020603050405020304" pitchFamily="18" charset="0"/>
+              </a:rPr>
+              <a:t>.                                                               .</a:t>
+            </a:r>
+          </a:p>
+          <a:p>
+            <a:pPr lvl="0" eaLnBrk="0" hangingPunct="0">
+              <a:tabLst>
+                <a:tab pos="581025" algn="l"/>
+                <a:tab pos="1163638" algn="l"/>
+                <a:tab pos="1744663" algn="l"/>
+                <a:tab pos="2327275" algn="l"/>
+                <a:tab pos="2908300" algn="l"/>
+                <a:tab pos="3489325" algn="l"/>
+                <a:tab pos="4071938" algn="l"/>
+                <a:tab pos="4652963" algn="l"/>
+                <a:tab pos="5235575" algn="l"/>
+                <a:tab pos="5816600" algn="l"/>
+                <a:tab pos="6397625" algn="l"/>
+                <a:tab pos="6980238" algn="l"/>
+                <a:tab pos="7561263" algn="l"/>
+                <a:tab pos="8143875" algn="l"/>
+                <a:tab pos="8724900" algn="l"/>
+                <a:tab pos="9305925" algn="l"/>
+              </a:tabLst>
+            </a:pPr>
+            <a:r>
+              <a:rPr lang="en-US" altLang="en-US" sz="800" dirty="0">
+                <a:solidFill>
+                  <a:schemeClr val="tx2">
+                    <a:lumMod val="60000"/>
+                    <a:lumOff val="40000"/>
+                  </a:schemeClr>
+                </a:solidFill>
+                <a:latin typeface="Courier" pitchFamily="2" charset="0"/>
+                <a:ea typeface="Times New Roman" panose="02020603050405020304" pitchFamily="18" charset="0"/>
+              </a:rPr>
+              <a:t>.                          Padding                              .</a:t>
+            </a:r>
+          </a:p>
+          <a:p>
+            <a:pPr lvl="0" eaLnBrk="0" hangingPunct="0">
+              <a:tabLst>
+                <a:tab pos="581025" algn="l"/>
+                <a:tab pos="1163638" algn="l"/>
+                <a:tab pos="1744663" algn="l"/>
+                <a:tab pos="2327275" algn="l"/>
+                <a:tab pos="2908300" algn="l"/>
+                <a:tab pos="3489325" algn="l"/>
+                <a:tab pos="4071938" algn="l"/>
+                <a:tab pos="4652963" algn="l"/>
+                <a:tab pos="5235575" algn="l"/>
+                <a:tab pos="5816600" algn="l"/>
+                <a:tab pos="6397625" algn="l"/>
+                <a:tab pos="6980238" algn="l"/>
+                <a:tab pos="7561263" algn="l"/>
+                <a:tab pos="8143875" algn="l"/>
+                <a:tab pos="8724900" algn="l"/>
+                <a:tab pos="9305925" algn="l"/>
+              </a:tabLst>
+            </a:pPr>
+            <a:r>
+              <a:rPr lang="en-US" altLang="en-US" sz="800" dirty="0">
+                <a:solidFill>
+                  <a:schemeClr val="tx2">
+                    <a:lumMod val="60000"/>
+                    <a:lumOff val="40000"/>
+                  </a:schemeClr>
+                </a:solidFill>
+                <a:latin typeface="Courier" pitchFamily="2" charset="0"/>
+                <a:ea typeface="Times New Roman" panose="02020603050405020304" pitchFamily="18" charset="0"/>
+              </a:rPr>
+              <a:t>.                                                               .</a:t>
+            </a:r>
+          </a:p>
+          <a:p>
+            <a:pPr lvl="0" eaLnBrk="0" hangingPunct="0">
+              <a:tabLst>
+                <a:tab pos="581025" algn="l"/>
+                <a:tab pos="1163638" algn="l"/>
+                <a:tab pos="1744663" algn="l"/>
+                <a:tab pos="2327275" algn="l"/>
+                <a:tab pos="2908300" algn="l"/>
+                <a:tab pos="3489325" algn="l"/>
+                <a:tab pos="4071938" algn="l"/>
+                <a:tab pos="4652963" algn="l"/>
+                <a:tab pos="5235575" algn="l"/>
+                <a:tab pos="5816600" algn="l"/>
+                <a:tab pos="6397625" algn="l"/>
+                <a:tab pos="6980238" algn="l"/>
+                <a:tab pos="7561263" algn="l"/>
+                <a:tab pos="8143875" algn="l"/>
+                <a:tab pos="8724900" algn="l"/>
+                <a:tab pos="9305925" algn="l"/>
+              </a:tabLst>
+            </a:pPr>
+            <a:r>
+              <a:rPr lang="en-US" altLang="en-US" sz="800" dirty="0">
+                <a:solidFill>
+                  <a:schemeClr val="tx2">
+                    <a:lumMod val="60000"/>
+                    <a:lumOff val="40000"/>
+                  </a:schemeClr>
+                </a:solidFill>
+                <a:latin typeface="Courier" pitchFamily="2" charset="0"/>
+                <a:ea typeface="Times New Roman" panose="02020603050405020304" pitchFamily="18" charset="0"/>
+              </a:rPr>
+              <a:t>|                                                               |</a:t>
+            </a:r>
+          </a:p>
+          <a:p>
             <a:r>
               <a:rPr lang="en-US" sz="800" dirty="0">
                 <a:solidFill>
-                  <a:schemeClr val="bg2">
-                    <a:lumMod val="50000"/>
-                  </a:schemeClr>
-                </a:solidFill>
-                <a:latin typeface="Courier" pitchFamily="2" charset="0"/>
-                <a:ea typeface="Courier" charset="0"/>
-                <a:cs typeface="Courier New" panose="02070309020205020404" pitchFamily="49" charset="0"/>
-              </a:rPr>
-              <a:t>|                        Padding                                |</a:t>
-            </a:r>
-          </a:p>
-          <a:p>
-            <a:pPr>
-              <a:spcAft>
-                <a:spcPts val="0"/>
-              </a:spcAft>
-            </a:pPr>
-            <a:r>
-              <a:rPr lang="en-US" sz="800" dirty="0">
-                <a:solidFill>
-                  <a:schemeClr val="bg2">
-                    <a:lumMod val="50000"/>
-                  </a:schemeClr>
-                </a:solidFill>
-                <a:latin typeface="Courier" pitchFamily="2" charset="0"/>
-                <a:ea typeface="Courier" charset="0"/>
-                <a:cs typeface="Courier New" panose="02070309020205020404" pitchFamily="49" charset="0"/>
-              </a:rPr>
-              <a:t>.                                                               .</a:t>
-            </a:r>
-          </a:p>
-          <a:p>
-            <a:r>
-              <a:rPr lang="en-US" sz="800" dirty="0">
-                <a:solidFill>
-                  <a:schemeClr val="bg2">
-                    <a:lumMod val="50000"/>
+                  <a:schemeClr val="tx2">
+                    <a:lumMod val="60000"/>
+                    <a:lumOff val="40000"/>
                   </a:schemeClr>
                 </a:solidFill>
                 <a:latin typeface="Courier" pitchFamily="2" charset="0"/>
@@ -8604,7 +8754,11 @@
               <a:t>User-configured destination UDP </a:t>
             </a:r>
             <a:r>
-              <a:rPr lang="en-US" sz="1400" b="1" kern="0" dirty="0"/>
+              <a:rPr lang="en-US" sz="1400" b="1" kern="0" dirty="0">
+                <a:solidFill>
+                  <a:srgbClr val="0070C0"/>
+                </a:solidFill>
+              </a:rPr>
               <a:t>Port2</a:t>
             </a:r>
             <a:r>
@@ -9706,7 +9860,7 @@
         </p:nvSpPr>
         <p:spPr>
           <a:xfrm>
-            <a:off x="457200" y="857250"/>
+            <a:off x="457200" y="998934"/>
             <a:ext cx="8229600" cy="3543300"/>
           </a:xfrm>
         </p:spPr>
@@ -10322,7 +10476,7 @@
         <p:spPr>
           <a:xfrm>
             <a:off x="4038599" y="1047750"/>
-            <a:ext cx="4648201" cy="2585323"/>
+            <a:ext cx="4648201" cy="2862322"/>
           </a:xfrm>
           <a:prstGeom prst="rect">
             <a:avLst/>
@@ -10723,7 +10877,7 @@
                 <a:latin typeface="Courier" pitchFamily="2" charset="0"/>
                 <a:ea typeface="Times New Roman" panose="02020603050405020304" pitchFamily="18" charset="0"/>
               </a:rPr>
-              <a:t>|                          Padding                              |</a:t>
+              <a:t>|                                                               |</a:t>
             </a:r>
           </a:p>
           <a:p>
@@ -10752,7 +10906,7 @@
                 <a:latin typeface="Courier" pitchFamily="2" charset="0"/>
                 <a:ea typeface="Times New Roman" panose="02020603050405020304" pitchFamily="18" charset="0"/>
               </a:rPr>
-              <a:t>|                                                               |</a:t>
+              <a:t>.                                                               .</a:t>
             </a:r>
           </a:p>
           <a:p>
@@ -10781,7 +10935,65 @@
                 <a:latin typeface="Courier" pitchFamily="2" charset="0"/>
                 <a:ea typeface="Times New Roman" panose="02020603050405020304" pitchFamily="18" charset="0"/>
               </a:rPr>
+              <a:t>.                          Padding                              .</a:t>
+            </a:r>
+          </a:p>
+          <a:p>
+            <a:pPr lvl="0" eaLnBrk="0" hangingPunct="0">
+              <a:tabLst>
+                <a:tab pos="581025" algn="l"/>
+                <a:tab pos="1163638" algn="l"/>
+                <a:tab pos="1744663" algn="l"/>
+                <a:tab pos="2327275" algn="l"/>
+                <a:tab pos="2908300" algn="l"/>
+                <a:tab pos="3489325" algn="l"/>
+                <a:tab pos="4071938" algn="l"/>
+                <a:tab pos="4652963" algn="l"/>
+                <a:tab pos="5235575" algn="l"/>
+                <a:tab pos="5816600" algn="l"/>
+                <a:tab pos="6397625" algn="l"/>
+                <a:tab pos="6980238" algn="l"/>
+                <a:tab pos="7561263" algn="l"/>
+                <a:tab pos="8143875" algn="l"/>
+                <a:tab pos="8724900" algn="l"/>
+                <a:tab pos="9305925" algn="l"/>
+              </a:tabLst>
+            </a:pPr>
+            <a:r>
+              <a:rPr lang="en-US" altLang="en-US" sz="900" dirty="0">
+                <a:latin typeface="Courier" pitchFamily="2" charset="0"/>
+                <a:ea typeface="Times New Roman" panose="02020603050405020304" pitchFamily="18" charset="0"/>
+              </a:rPr>
               <a:t>.                                                               .</a:t>
+            </a:r>
+          </a:p>
+          <a:p>
+            <a:pPr lvl="0" eaLnBrk="0" hangingPunct="0">
+              <a:tabLst>
+                <a:tab pos="581025" algn="l"/>
+                <a:tab pos="1163638" algn="l"/>
+                <a:tab pos="1744663" algn="l"/>
+                <a:tab pos="2327275" algn="l"/>
+                <a:tab pos="2908300" algn="l"/>
+                <a:tab pos="3489325" algn="l"/>
+                <a:tab pos="4071938" algn="l"/>
+                <a:tab pos="4652963" algn="l"/>
+                <a:tab pos="5235575" algn="l"/>
+                <a:tab pos="5816600" algn="l"/>
+                <a:tab pos="6397625" algn="l"/>
+                <a:tab pos="6980238" algn="l"/>
+                <a:tab pos="7561263" algn="l"/>
+                <a:tab pos="8143875" algn="l"/>
+                <a:tab pos="8724900" algn="l"/>
+                <a:tab pos="9305925" algn="l"/>
+              </a:tabLst>
+            </a:pPr>
+            <a:r>
+              <a:rPr lang="en-US" altLang="en-US" sz="900" dirty="0">
+                <a:latin typeface="Courier" pitchFamily="2" charset="0"/>
+                <a:ea typeface="Times New Roman" panose="02020603050405020304" pitchFamily="18" charset="0"/>
+              </a:rPr>
+              <a:t>|                                                               |</a:t>
             </a:r>
           </a:p>
           <a:p>

--- a/draft-gandhi-spring-twamp-srpm-09.pptx
+++ b/draft-gandhi-spring-twamp-srpm-09.pptx
@@ -260,7 +260,7 @@
           <a:p>
             <a:fld id="{E8FA3DB5-7722-3F4F-947D-12B203669AD7}" type="datetimeFigureOut">
               <a:rPr lang="en-US" smtClean="0"/>
-              <a:t>6/4/20</a:t>
+              <a:t>6/10/20</a:t>
             </a:fld>
             <a:endParaRPr lang="en-US"/>
           </a:p>
@@ -7021,7 +7021,7 @@
                 <a:ea typeface="Courier" charset="0"/>
                 <a:cs typeface="Courier" charset="0"/>
               </a:rPr>
-              <a:t>| IP Header (Optional)                                          |</a:t>
+              <a:t>| IP Header                                                     |</a:t>
             </a:r>
           </a:p>
           <a:p>
@@ -7300,8 +7300,8 @@
         </p:nvSpPr>
         <p:spPr>
           <a:xfrm>
-            <a:off x="647700" y="742950"/>
-            <a:ext cx="7848600" cy="775363"/>
+            <a:off x="533400" y="742950"/>
+            <a:ext cx="7962900" cy="857250"/>
           </a:xfrm>
         </p:spPr>
         <p:txBody>
@@ -7309,8 +7309,14 @@
           <a:lstStyle/>
           <a:p>
             <a:r>
-              <a:rPr lang="en-US" sz="2000" dirty="0"/>
+              <a:rPr lang="en-US" sz="1600" dirty="0"/>
               <a:t>The probe response message is sent using the IP/UDP information from the probe query message. </a:t>
+            </a:r>
+          </a:p>
+          <a:p>
+            <a:r>
+              <a:rPr lang="en-US" sz="1600" dirty="0"/>
+              <a:t>Based on Control Code from the probe query message</a:t>
             </a:r>
           </a:p>
         </p:txBody>
@@ -7361,7 +7367,7 @@
         </p:nvSpPr>
         <p:spPr>
           <a:xfrm>
-            <a:off x="1676400" y="1625840"/>
+            <a:off x="1676400" y="1810127"/>
             <a:ext cx="5562600" cy="2862322"/>
           </a:xfrm>
           <a:prstGeom prst="rect">

--- a/draft-gandhi-spring-twamp-srpm-09.pptx
+++ b/draft-gandhi-spring-twamp-srpm-09.pptx
@@ -260,7 +260,7 @@
           <a:p>
             <a:fld id="{E8FA3DB5-7722-3F4F-947D-12B203669AD7}" type="datetimeFigureOut">
               <a:rPr lang="en-US" smtClean="0"/>
-              <a:t>6/10/20</a:t>
+              <a:t>7/6/20</a:t>
             </a:fld>
             <a:endParaRPr lang="en-US"/>
           </a:p>
@@ -5295,20 +5295,17 @@
           <a:bodyPr/>
           <a:lstStyle/>
           <a:p>
-            <a:pPr>
-              <a:defRPr/>
-            </a:pPr>
-            <a:r>
-              <a:rPr lang="en-US" altLang="zh-CN" dirty="0"/>
+            <a:r>
+              <a:rPr lang="en-CA" dirty="0"/>
               <a:t>108</a:t>
             </a:r>
             <a:r>
-              <a:rPr lang="en-US" altLang="zh-CN" baseline="30000" dirty="0"/>
+              <a:rPr lang="en-CA" baseline="30000" dirty="0"/>
               <a:t>th</a:t>
             </a:r>
             <a:r>
-              <a:rPr lang="en-US" altLang="zh-CN" dirty="0"/>
-              <a:t> IETF @ Madrid</a:t>
+              <a:rPr lang="en-CA" dirty="0"/>
+              <a:t> IETF Online</a:t>
             </a:r>
           </a:p>
         </p:txBody>
@@ -5387,20 +5384,17 @@
           <a:bodyPr/>
           <a:lstStyle/>
           <a:p>
-            <a:pPr>
-              <a:defRPr/>
-            </a:pPr>
-            <a:r>
-              <a:rPr lang="en-US" altLang="zh-CN" dirty="0"/>
+            <a:r>
+              <a:rPr lang="en-CA" dirty="0"/>
               <a:t>108</a:t>
             </a:r>
             <a:r>
-              <a:rPr lang="en-US" altLang="zh-CN" baseline="30000" dirty="0"/>
+              <a:rPr lang="en-CA" baseline="30000" dirty="0"/>
               <a:t>th</a:t>
             </a:r>
             <a:r>
-              <a:rPr lang="en-US" altLang="zh-CN" dirty="0"/>
-              <a:t> IETF @ Madrid</a:t>
+              <a:rPr lang="en-CA" dirty="0"/>
+              <a:t> IETF Online</a:t>
             </a:r>
           </a:p>
         </p:txBody>
@@ -5557,20 +5551,17 @@
           <a:bodyPr/>
           <a:lstStyle/>
           <a:p>
-            <a:pPr>
-              <a:defRPr/>
-            </a:pPr>
-            <a:r>
-              <a:rPr lang="en-US" altLang="zh-CN" dirty="0"/>
+            <a:r>
+              <a:rPr lang="en-CA" dirty="0"/>
               <a:t>108</a:t>
             </a:r>
             <a:r>
-              <a:rPr lang="en-US" altLang="zh-CN" baseline="30000" dirty="0"/>
+              <a:rPr lang="en-CA" baseline="30000" dirty="0"/>
               <a:t>th</a:t>
             </a:r>
             <a:r>
-              <a:rPr lang="en-US" altLang="zh-CN" dirty="0"/>
-              <a:t> IETF @ Madrid</a:t>
+              <a:rPr lang="en-CA" dirty="0"/>
+              <a:t> IETF Online</a:t>
             </a:r>
           </a:p>
         </p:txBody>
@@ -5871,20 +5862,17 @@
           <a:bodyPr/>
           <a:lstStyle/>
           <a:p>
-            <a:pPr>
-              <a:defRPr/>
-            </a:pPr>
-            <a:r>
-              <a:rPr lang="en-US" altLang="zh-CN" dirty="0"/>
+            <a:r>
+              <a:rPr lang="en-CA" dirty="0"/>
               <a:t>108</a:t>
             </a:r>
             <a:r>
-              <a:rPr lang="en-US" altLang="zh-CN" baseline="30000" dirty="0"/>
+              <a:rPr lang="en-CA" baseline="30000" dirty="0"/>
               <a:t>th</a:t>
             </a:r>
             <a:r>
-              <a:rPr lang="en-US" altLang="zh-CN" dirty="0"/>
-              <a:t> IETF @ Madrid</a:t>
+              <a:rPr lang="en-CA" dirty="0"/>
+              <a:t> IETF Online</a:t>
             </a:r>
           </a:p>
         </p:txBody>
@@ -6379,20 +6367,17 @@
           <a:bodyPr/>
           <a:lstStyle/>
           <a:p>
-            <a:pPr>
-              <a:defRPr/>
-            </a:pPr>
-            <a:r>
-              <a:rPr lang="en-US" altLang="zh-CN" dirty="0"/>
+            <a:r>
+              <a:rPr lang="en-CA" dirty="0"/>
               <a:t>108</a:t>
             </a:r>
             <a:r>
-              <a:rPr lang="en-US" altLang="zh-CN" baseline="30000" dirty="0"/>
+              <a:rPr lang="en-CA" baseline="30000" dirty="0"/>
               <a:t>th</a:t>
             </a:r>
             <a:r>
-              <a:rPr lang="en-US" altLang="zh-CN" dirty="0"/>
-              <a:t> IETF @ Madrid</a:t>
+              <a:rPr lang="en-CA" dirty="0"/>
+              <a:t> IETF Online</a:t>
             </a:r>
           </a:p>
         </p:txBody>
@@ -7341,20 +7326,17 @@
           <a:bodyPr/>
           <a:lstStyle/>
           <a:p>
-            <a:pPr>
-              <a:defRPr/>
-            </a:pPr>
-            <a:r>
-              <a:rPr lang="en-US" altLang="zh-CN" dirty="0"/>
+            <a:r>
+              <a:rPr lang="en-CA" dirty="0"/>
               <a:t>108</a:t>
             </a:r>
             <a:r>
-              <a:rPr lang="en-US" altLang="zh-CN" baseline="30000" dirty="0"/>
+              <a:rPr lang="en-CA" baseline="30000" dirty="0"/>
               <a:t>th</a:t>
             </a:r>
             <a:r>
-              <a:rPr lang="en-US" altLang="zh-CN" dirty="0"/>
-              <a:t> IETF @ Madrid</a:t>
+              <a:rPr lang="en-CA" dirty="0"/>
+              <a:t> IETF Online</a:t>
             </a:r>
           </a:p>
         </p:txBody>
@@ -7667,20 +7649,17 @@
           <a:bodyPr/>
           <a:lstStyle/>
           <a:p>
-            <a:pPr>
-              <a:defRPr/>
-            </a:pPr>
-            <a:r>
-              <a:rPr lang="en-US" altLang="zh-CN" dirty="0"/>
+            <a:r>
+              <a:rPr lang="en-CA" dirty="0"/>
               <a:t>108</a:t>
             </a:r>
             <a:r>
-              <a:rPr lang="en-US" altLang="zh-CN" baseline="30000" dirty="0"/>
+              <a:rPr lang="en-CA" baseline="30000" dirty="0"/>
               <a:t>th</a:t>
             </a:r>
             <a:r>
-              <a:rPr lang="en-US" altLang="zh-CN" dirty="0"/>
-              <a:t> IETF @ Madrid</a:t>
+              <a:rPr lang="en-CA" dirty="0"/>
+              <a:t> IETF Online</a:t>
             </a:r>
           </a:p>
         </p:txBody>
@@ -9011,20 +8990,17 @@
           <a:bodyPr/>
           <a:lstStyle/>
           <a:p>
-            <a:pPr>
-              <a:defRPr/>
-            </a:pPr>
-            <a:r>
-              <a:rPr lang="en-US" altLang="zh-CN" dirty="0"/>
+            <a:r>
+              <a:rPr lang="en-CA" dirty="0"/>
               <a:t>108</a:t>
             </a:r>
             <a:r>
-              <a:rPr lang="en-US" altLang="zh-CN" baseline="30000" dirty="0"/>
+              <a:rPr lang="en-CA" baseline="30000" dirty="0"/>
               <a:t>th</a:t>
             </a:r>
             <a:r>
-              <a:rPr lang="en-US" altLang="zh-CN" dirty="0"/>
-              <a:t> IETF @ Madrid</a:t>
+              <a:rPr lang="en-CA" dirty="0"/>
+              <a:t> IETF Online</a:t>
             </a:r>
           </a:p>
         </p:txBody>
@@ -9100,7 +9076,7 @@
         </p:nvSpPr>
         <p:spPr>
           <a:xfrm>
-            <a:off x="3048000" y="4786312"/>
+            <a:off x="3124200" y="4786312"/>
             <a:ext cx="2895600" cy="357188"/>
           </a:xfrm>
         </p:spPr>
@@ -9108,20 +9084,17 @@
           <a:bodyPr/>
           <a:lstStyle/>
           <a:p>
-            <a:pPr>
-              <a:defRPr/>
-            </a:pPr>
-            <a:r>
-              <a:rPr lang="en-US" altLang="zh-CN" dirty="0"/>
+            <a:r>
+              <a:rPr lang="en-CA" dirty="0"/>
               <a:t>108</a:t>
             </a:r>
             <a:r>
-              <a:rPr lang="en-US" altLang="zh-CN" baseline="30000" dirty="0"/>
+              <a:rPr lang="en-CA" baseline="30000" dirty="0"/>
               <a:t>th</a:t>
             </a:r>
             <a:r>
-              <a:rPr lang="en-US" altLang="zh-CN" dirty="0"/>
-              <a:t> IETF @ Madrid</a:t>
+              <a:rPr lang="en-CA" dirty="0"/>
+              <a:t> IETF Online</a:t>
             </a:r>
           </a:p>
         </p:txBody>
@@ -9478,20 +9451,17 @@
           <a:bodyPr/>
           <a:lstStyle/>
           <a:p>
-            <a:pPr>
-              <a:defRPr/>
-            </a:pPr>
-            <a:r>
-              <a:rPr lang="en-US" altLang="zh-CN" dirty="0"/>
+            <a:r>
+              <a:rPr lang="en-CA" dirty="0"/>
               <a:t>108</a:t>
             </a:r>
             <a:r>
-              <a:rPr lang="en-US" altLang="zh-CN" baseline="30000" dirty="0"/>
+              <a:rPr lang="en-CA" baseline="30000" dirty="0"/>
               <a:t>th</a:t>
             </a:r>
             <a:r>
-              <a:rPr lang="en-US" altLang="zh-CN" dirty="0"/>
-              <a:t> IETF @ Madrid</a:t>
+              <a:rPr lang="en-CA" dirty="0"/>
+              <a:t> IETF Online</a:t>
             </a:r>
           </a:p>
         </p:txBody>
@@ -9744,20 +9714,17 @@
           <a:bodyPr/>
           <a:lstStyle/>
           <a:p>
-            <a:pPr>
-              <a:defRPr/>
-            </a:pPr>
-            <a:r>
-              <a:rPr lang="en-US" altLang="zh-CN" dirty="0"/>
+            <a:r>
+              <a:rPr lang="en-CA" dirty="0"/>
               <a:t>108</a:t>
             </a:r>
             <a:r>
-              <a:rPr lang="en-US" altLang="zh-CN" baseline="30000" dirty="0"/>
+              <a:rPr lang="en-CA" baseline="30000" dirty="0"/>
               <a:t>th</a:t>
             </a:r>
             <a:r>
-              <a:rPr lang="en-US" altLang="zh-CN" dirty="0"/>
-              <a:t> IETF @ Madrid</a:t>
+              <a:rPr lang="en-CA" dirty="0"/>
+              <a:t> IETF Online</a:t>
             </a:r>
           </a:p>
         </p:txBody>
@@ -10039,20 +10006,17 @@
           <a:bodyPr/>
           <a:lstStyle/>
           <a:p>
-            <a:pPr>
-              <a:defRPr/>
-            </a:pPr>
-            <a:r>
-              <a:rPr lang="en-US" altLang="zh-CN" dirty="0"/>
+            <a:r>
+              <a:rPr lang="en-CA" dirty="0"/>
               <a:t>108</a:t>
             </a:r>
             <a:r>
-              <a:rPr lang="en-US" altLang="zh-CN" baseline="30000" dirty="0"/>
+              <a:rPr lang="en-CA" baseline="30000" dirty="0"/>
               <a:t>th</a:t>
             </a:r>
             <a:r>
-              <a:rPr lang="en-US" altLang="zh-CN" dirty="0"/>
-              <a:t> IETF @ Madrid</a:t>
+              <a:rPr lang="en-CA" dirty="0"/>
+              <a:t> IETF Online</a:t>
             </a:r>
           </a:p>
         </p:txBody>
@@ -10272,20 +10236,17 @@
           <a:bodyPr/>
           <a:lstStyle/>
           <a:p>
-            <a:pPr>
-              <a:defRPr/>
-            </a:pPr>
-            <a:r>
-              <a:rPr lang="en-US" altLang="zh-CN" dirty="0"/>
+            <a:r>
+              <a:rPr lang="en-CA" dirty="0"/>
               <a:t>108</a:t>
             </a:r>
             <a:r>
-              <a:rPr lang="en-US" altLang="zh-CN" baseline="30000" dirty="0"/>
+              <a:rPr lang="en-CA" baseline="30000" dirty="0"/>
               <a:t>th</a:t>
             </a:r>
             <a:r>
-              <a:rPr lang="en-US" altLang="zh-CN" dirty="0"/>
-              <a:t> IETF @ Madrid</a:t>
+              <a:rPr lang="en-CA" dirty="0"/>
+              <a:t> IETF Online</a:t>
             </a:r>
           </a:p>
         </p:txBody>
@@ -10414,20 +10375,17 @@
           <a:bodyPr/>
           <a:lstStyle/>
           <a:p>
-            <a:pPr>
-              <a:defRPr/>
-            </a:pPr>
-            <a:r>
-              <a:rPr lang="en-US" altLang="zh-CN" dirty="0"/>
+            <a:r>
+              <a:rPr lang="en-CA" dirty="0"/>
               <a:t>108</a:t>
             </a:r>
             <a:r>
-              <a:rPr lang="en-US" altLang="zh-CN" baseline="30000" dirty="0"/>
+              <a:rPr lang="en-CA" baseline="30000" dirty="0"/>
               <a:t>th</a:t>
             </a:r>
             <a:r>
-              <a:rPr lang="en-US" altLang="zh-CN" dirty="0"/>
-              <a:t> IETF @ Madrid</a:t>
+              <a:rPr lang="en-CA" dirty="0"/>
+              <a:t> IETF Online</a:t>
             </a:r>
           </a:p>
         </p:txBody>
@@ -11295,20 +11253,17 @@
           <a:bodyPr/>
           <a:lstStyle/>
           <a:p>
-            <a:pPr>
-              <a:defRPr/>
-            </a:pPr>
-            <a:r>
-              <a:rPr lang="en-US" altLang="zh-CN" dirty="0"/>
+            <a:r>
+              <a:rPr lang="en-CA" dirty="0"/>
               <a:t>108</a:t>
             </a:r>
             <a:r>
-              <a:rPr lang="en-US" altLang="zh-CN" baseline="30000" dirty="0"/>
+              <a:rPr lang="en-CA" baseline="30000" dirty="0"/>
               <a:t>th</a:t>
             </a:r>
             <a:r>
-              <a:rPr lang="en-US" altLang="zh-CN" dirty="0"/>
-              <a:t> IETF @ Madrid</a:t>
+              <a:rPr lang="en-CA" dirty="0"/>
+              <a:t> IETF Online</a:t>
             </a:r>
           </a:p>
         </p:txBody>
@@ -11597,20 +11552,17 @@
           <a:bodyPr/>
           <a:lstStyle/>
           <a:p>
-            <a:pPr>
-              <a:defRPr/>
-            </a:pPr>
-            <a:r>
-              <a:rPr lang="en-US" altLang="zh-CN" dirty="0"/>
+            <a:r>
+              <a:rPr lang="en-CA" dirty="0"/>
               <a:t>108</a:t>
             </a:r>
             <a:r>
-              <a:rPr lang="en-US" altLang="zh-CN" baseline="30000" dirty="0"/>
+              <a:rPr lang="en-CA" baseline="30000" dirty="0"/>
               <a:t>th</a:t>
             </a:r>
             <a:r>
-              <a:rPr lang="en-US" altLang="zh-CN" dirty="0"/>
-              <a:t> IETF @ Madrid</a:t>
+              <a:rPr lang="en-CA" dirty="0"/>
+              <a:t> IETF Online</a:t>
             </a:r>
           </a:p>
         </p:txBody>
@@ -11686,7 +11638,7 @@
         </p:nvSpPr>
         <p:spPr>
           <a:xfrm>
-            <a:off x="3048000" y="4786312"/>
+            <a:off x="3124200" y="4772838"/>
             <a:ext cx="2895600" cy="357188"/>
           </a:xfrm>
         </p:spPr>
@@ -11694,20 +11646,17 @@
           <a:bodyPr/>
           <a:lstStyle/>
           <a:p>
-            <a:pPr>
-              <a:defRPr/>
-            </a:pPr>
-            <a:r>
-              <a:rPr lang="en-US" altLang="zh-CN" dirty="0"/>
+            <a:r>
+              <a:rPr lang="en-CA" dirty="0"/>
               <a:t>108</a:t>
             </a:r>
             <a:r>
-              <a:rPr lang="en-US" altLang="zh-CN" baseline="30000" dirty="0"/>
+              <a:rPr lang="en-CA" baseline="30000" dirty="0"/>
               <a:t>th</a:t>
             </a:r>
             <a:r>
-              <a:rPr lang="en-US" altLang="zh-CN" dirty="0"/>
-              <a:t> IETF @ Madrid</a:t>
+              <a:rPr lang="en-CA" dirty="0"/>
+              <a:t> IETF Online</a:t>
             </a:r>
           </a:p>
         </p:txBody>

--- a/draft-gandhi-spring-twamp-srpm-09.pptx
+++ b/draft-gandhi-spring-twamp-srpm-09.pptx
@@ -260,7 +260,7 @@
           <a:p>
             <a:fld id="{E8FA3DB5-7722-3F4F-947D-12B203669AD7}" type="datetimeFigureOut">
               <a:rPr lang="en-US" smtClean="0"/>
-              <a:t>7/6/20</a:t>
+              <a:t>7/16/20</a:t>
             </a:fld>
             <a:endParaRPr lang="en-US"/>
           </a:p>
@@ -5890,7 +5890,7 @@
         <p:spPr>
           <a:xfrm>
             <a:off x="457200" y="741825"/>
-            <a:ext cx="8077200" cy="686925"/>
+            <a:ext cx="8153400" cy="857250"/>
           </a:xfrm>
         </p:spPr>
         <p:txBody>
@@ -5898,24 +5898,30 @@
           <a:lstStyle/>
           <a:p>
             <a:r>
-              <a:rPr lang="en-US" sz="1800" dirty="0"/>
+              <a:rPr lang="en-US" sz="1600" dirty="0"/>
               <a:t>User-configured destination UDP </a:t>
             </a:r>
             <a:r>
-              <a:rPr lang="en-US" sz="1800" b="1" dirty="0"/>
+              <a:rPr lang="en-US" sz="1600" b="1" dirty="0"/>
               <a:t>port1</a:t>
             </a:r>
             <a:r>
-              <a:rPr lang="en-US" sz="1800" dirty="0"/>
+              <a:rPr lang="en-US" sz="1600" dirty="0"/>
               <a:t> is used for DM probe messages and </a:t>
             </a:r>
             <a:r>
-              <a:rPr lang="en-US" sz="1800" b="1" dirty="0"/>
+              <a:rPr lang="en-US" sz="1600" b="1" dirty="0"/>
               <a:t>port2</a:t>
             </a:r>
             <a:r>
-              <a:rPr lang="en-US" sz="1800" dirty="0"/>
+              <a:rPr lang="en-US" sz="1600" dirty="0"/>
               <a:t> is used for LM probe messages, both in unauthenticated mode.</a:t>
+            </a:r>
+          </a:p>
+          <a:p>
+            <a:r>
+              <a:rPr lang="en-US" sz="1600" dirty="0"/>
+              <a:t>Applicable to physical, virtual, LAG and LAG member links</a:t>
             </a:r>
           </a:p>
         </p:txBody>
@@ -5928,8 +5934,8 @@
         </p:nvSpPr>
         <p:spPr>
           <a:xfrm>
-            <a:off x="1971675" y="1504950"/>
-            <a:ext cx="5200650" cy="3016210"/>
+            <a:off x="2133600" y="1837752"/>
+            <a:ext cx="4657725" cy="2723823"/>
           </a:xfrm>
           <a:prstGeom prst="rect">
             <a:avLst/>
@@ -5953,7 +5959,7 @@
               </a:spcAft>
             </a:pPr>
             <a:r>
-              <a:rPr lang="en-US" sz="1000" dirty="0">
+              <a:rPr lang="en-US" sz="900" dirty="0">
                 <a:latin typeface="Courier" pitchFamily="2" charset="0"/>
                 <a:ea typeface="Courier" charset="0"/>
                 <a:cs typeface="Courier" charset="0"/>
@@ -5968,7 +5974,7 @@
               </a:spcAft>
             </a:pPr>
             <a:r>
-              <a:rPr lang="en-US" sz="1000" dirty="0">
+              <a:rPr lang="en-US" sz="900" dirty="0">
                 <a:latin typeface="Courier" pitchFamily="2" charset="0"/>
                 <a:ea typeface="Courier" charset="0"/>
                 <a:cs typeface="Courier" charset="0"/>
@@ -5983,7 +5989,7 @@
               </a:spcAft>
             </a:pPr>
             <a:r>
-              <a:rPr lang="en-US" sz="1000" dirty="0">
+              <a:rPr lang="en-US" sz="900" dirty="0">
                 <a:latin typeface="Courier" pitchFamily="2" charset="0"/>
                 <a:ea typeface="Courier" charset="0"/>
                 <a:cs typeface="Courier" charset="0"/>
@@ -5998,7 +6004,7 @@
               </a:spcAft>
             </a:pPr>
             <a:r>
-              <a:rPr lang="en-US" sz="1000" dirty="0">
+              <a:rPr lang="en-US" sz="900" dirty="0">
                 <a:latin typeface="Courier" pitchFamily="2" charset="0"/>
                 <a:ea typeface="Courier" charset="0"/>
                 <a:cs typeface="Courier" charset="0"/>
@@ -6013,7 +6019,7 @@
               </a:spcAft>
             </a:pPr>
             <a:r>
-              <a:rPr lang="en-US" sz="1000" dirty="0">
+              <a:rPr lang="en-US" sz="900" dirty="0">
                 <a:latin typeface="Courier" pitchFamily="2" charset="0"/>
                 <a:ea typeface="Courier" charset="0"/>
                 <a:cs typeface="Courier" charset="0"/>
@@ -6028,7 +6034,7 @@
               </a:spcAft>
             </a:pPr>
             <a:r>
-              <a:rPr lang="en-US" sz="1000" dirty="0">
+              <a:rPr lang="en-US" sz="900" dirty="0">
                 <a:latin typeface="Courier" pitchFamily="2" charset="0"/>
                 <a:ea typeface="Courier" charset="0"/>
                 <a:cs typeface="Courier" charset="0"/>
@@ -6043,7 +6049,7 @@
               </a:spcAft>
             </a:pPr>
             <a:r>
-              <a:rPr lang="en-US" sz="1000" dirty="0">
+              <a:rPr lang="en-US" sz="900" dirty="0">
                 <a:latin typeface="Courier" pitchFamily="2" charset="0"/>
                 <a:ea typeface="Courier" charset="0"/>
                 <a:cs typeface="Courier" charset="0"/>
@@ -6058,7 +6064,7 @@
               </a:spcAft>
             </a:pPr>
             <a:r>
-              <a:rPr lang="en-US" sz="1000" dirty="0">
+              <a:rPr lang="en-US" sz="900" dirty="0">
                 <a:latin typeface="Courier" pitchFamily="2" charset="0"/>
                 <a:ea typeface="Courier" charset="0"/>
                 <a:cs typeface="Courier" charset="0"/>
@@ -6073,7 +6079,7 @@
               </a:spcAft>
             </a:pPr>
             <a:r>
-              <a:rPr lang="en-US" sz="1000" dirty="0">
+              <a:rPr lang="en-US" sz="900" dirty="0">
                 <a:latin typeface="Courier" pitchFamily="2" charset="0"/>
                 <a:ea typeface="Courier" charset="0"/>
                 <a:cs typeface="Courier" charset="0"/>
@@ -6088,7 +6094,7 @@
               </a:spcAft>
             </a:pPr>
             <a:r>
-              <a:rPr lang="en-US" sz="1000" dirty="0">
+              <a:rPr lang="en-US" sz="900" dirty="0">
                 <a:latin typeface="Courier" pitchFamily="2" charset="0"/>
                 <a:ea typeface="Courier" charset="0"/>
                 <a:cs typeface="Courier" charset="0"/>
@@ -6096,7 +6102,7 @@
               <a:t>.  Destination Port = </a:t>
             </a:r>
             <a:r>
-              <a:rPr lang="en-US" sz="1000" dirty="0">
+              <a:rPr lang="en-US" sz="900" dirty="0">
                 <a:solidFill>
                   <a:srgbClr val="0070C0"/>
                 </a:solidFill>
@@ -6107,7 +6113,7 @@
               <a:t>User-configured Port                      </a:t>
             </a:r>
             <a:r>
-              <a:rPr lang="en-US" sz="1000" dirty="0">
+              <a:rPr lang="en-US" sz="900" dirty="0">
                 <a:latin typeface="Courier" pitchFamily="2" charset="0"/>
                 <a:ea typeface="Courier" charset="0"/>
                 <a:cs typeface="Courier" charset="0"/>
@@ -6122,7 +6128,7 @@
               </a:spcAft>
             </a:pPr>
             <a:r>
-              <a:rPr lang="en-US" sz="1000" dirty="0">
+              <a:rPr lang="en-US" sz="900" dirty="0">
                 <a:latin typeface="Courier" pitchFamily="2" charset="0"/>
                 <a:ea typeface="Courier" charset="0"/>
                 <a:cs typeface="Courier" charset="0"/>
@@ -6137,7 +6143,7 @@
               </a:spcAft>
             </a:pPr>
             <a:r>
-              <a:rPr lang="en-US" sz="1000" dirty="0">
+              <a:rPr lang="en-US" sz="900" dirty="0">
                 <a:latin typeface="Courier" pitchFamily="2" charset="0"/>
                 <a:ea typeface="Courier" charset="0"/>
                 <a:cs typeface="Courier" charset="0"/>
@@ -6152,7 +6158,7 @@
               </a:spcAft>
             </a:pPr>
             <a:r>
-              <a:rPr lang="en-US" sz="1000" dirty="0">
+              <a:rPr lang="en-US" sz="900" dirty="0">
                 <a:latin typeface="Courier" pitchFamily="2" charset="0"/>
                 <a:ea typeface="Courier" charset="0"/>
                 <a:cs typeface="Courier" charset="0"/>
@@ -6167,7 +6173,7 @@
               </a:spcAft>
             </a:pPr>
             <a:r>
-              <a:rPr lang="en-US" sz="1000" dirty="0">
+              <a:rPr lang="en-US" sz="900" dirty="0">
                 <a:latin typeface="Courier" pitchFamily="2" charset="0"/>
                 <a:ea typeface="Courier" charset="0"/>
                 <a:cs typeface="Courier" charset="0"/>
@@ -6182,7 +6188,7 @@
               </a:spcAft>
             </a:pPr>
             <a:r>
-              <a:rPr lang="en-US" sz="1000" dirty="0">
+              <a:rPr lang="en-US" sz="900" dirty="0">
                 <a:latin typeface="Courier" pitchFamily="2" charset="0"/>
                 <a:ea typeface="Courier" charset="0"/>
                 <a:cs typeface="Courier" charset="0"/>
@@ -6197,7 +6203,7 @@
               </a:spcAft>
             </a:pPr>
             <a:r>
-              <a:rPr lang="en-US" sz="1000" dirty="0">
+              <a:rPr lang="en-US" sz="900" dirty="0">
                 <a:latin typeface="Courier" pitchFamily="2" charset="0"/>
                 <a:ea typeface="Courier" charset="0"/>
                 <a:cs typeface="Courier" charset="0"/>
@@ -6212,7 +6218,7 @@
               </a:spcAft>
             </a:pPr>
             <a:r>
-              <a:rPr lang="en-US" sz="1000" dirty="0">
+              <a:rPr lang="en-US" sz="900" dirty="0">
                 <a:latin typeface="Courier" pitchFamily="2" charset="0"/>
                 <a:ea typeface="Courier" charset="0"/>
                 <a:cs typeface="Courier" charset="0"/>
@@ -6226,7 +6232,7 @@
                 <a:spcPts val="0"/>
               </a:spcAft>
             </a:pPr>
-            <a:endParaRPr lang="en-US" sz="1000" dirty="0">
+            <a:endParaRPr lang="en-US" sz="900" dirty="0">
               <a:latin typeface="Courier" pitchFamily="2" charset="0"/>
               <a:ea typeface="Courier" charset="0"/>
               <a:cs typeface="Courier" charset="0"/>
@@ -6239,14 +6245,14 @@
               </a:spcAft>
             </a:pPr>
             <a:r>
-              <a:rPr lang="en-CA" sz="1000" dirty="0">
+              <a:rPr lang="en-CA" sz="900" dirty="0">
                 <a:latin typeface="Courier" pitchFamily="2" charset="0"/>
                 <a:ea typeface="Courier" charset="0"/>
                 <a:cs typeface="Courier" charset="0"/>
               </a:rPr>
               <a:t>                   Figure: Probe Query Message</a:t>
             </a:r>
-            <a:endParaRPr lang="en-US" sz="1000" dirty="0">
+            <a:endParaRPr lang="en-US" sz="900" dirty="0">
               <a:latin typeface="Courier" pitchFamily="2" charset="0"/>
               <a:ea typeface="Courier" charset="0"/>
               <a:cs typeface="Courier" charset="0"/>
@@ -6747,15 +6753,15 @@
             </a:pPr>
             <a:r>
               <a:rPr lang="en-US" sz="1600" dirty="0"/>
-              <a:t>For </a:t>
+              <a:t>For performance delay/loss measurement of </a:t>
             </a:r>
             <a:r>
               <a:rPr lang="en-US" sz="1600" b="1" dirty="0"/>
-              <a:t>end-to-end </a:t>
+              <a:t>end-to-end</a:t>
             </a:r>
             <a:r>
               <a:rPr lang="en-US" sz="1600" dirty="0"/>
-              <a:t>performance delay/loss measurement of SR Policy, the probe query message is sent on the SR Policy with:</a:t>
+              <a:t> SR Path including SR Policy, the probe query message is sent on the SR Path including SR Policy with:</a:t>
             </a:r>
           </a:p>
           <a:p>
@@ -7285,8 +7291,8 @@
         </p:nvSpPr>
         <p:spPr>
           <a:xfrm>
-            <a:off x="533400" y="742950"/>
-            <a:ext cx="7962900" cy="857250"/>
+            <a:off x="266700" y="742950"/>
+            <a:ext cx="8648700" cy="857250"/>
           </a:xfrm>
         </p:spPr>
         <p:txBody>
@@ -7349,8 +7355,8 @@
         </p:nvSpPr>
         <p:spPr>
           <a:xfrm>
-            <a:off x="1676400" y="1810127"/>
-            <a:ext cx="5562600" cy="2862322"/>
+            <a:off x="1981200" y="1710898"/>
+            <a:ext cx="5181600" cy="2862322"/>
           </a:xfrm>
           <a:prstGeom prst="rect">
             <a:avLst/>
@@ -7373,7 +7379,7 @@
                 <a:latin typeface="Courier" pitchFamily="2" charset="0"/>
                 <a:cs typeface="Courier New" panose="02070309020205020404" pitchFamily="49" charset="0"/>
               </a:rPr>
-              <a:t>    +---------------------------------------------------------------+</a:t>
+              <a:t>+---------------------------------------------------------------+</a:t>
             </a:r>
           </a:p>
           <a:p>
@@ -7382,7 +7388,7 @@
                 <a:latin typeface="Courier" pitchFamily="2" charset="0"/>
                 <a:cs typeface="Courier New" panose="02070309020205020404" pitchFamily="49" charset="0"/>
               </a:rPr>
-              <a:t>    | IP Header                                                     |</a:t>
+              <a:t>| IP Header                                                     |</a:t>
             </a:r>
           </a:p>
           <a:p>
@@ -7391,7 +7397,7 @@
                 <a:latin typeface="Courier" pitchFamily="2" charset="0"/>
                 <a:cs typeface="Courier New" panose="02070309020205020404" pitchFamily="49" charset="0"/>
               </a:rPr>
-              <a:t>    .  Source IP Address = Reflector IPv4 or IPv6 Address           .</a:t>
+              <a:t>.  Source IP Address = Reflector IPv4 or IPv6 Address           .</a:t>
             </a:r>
           </a:p>
           <a:p>
@@ -7400,7 +7406,7 @@
                 <a:latin typeface="Courier" pitchFamily="2" charset="0"/>
                 <a:cs typeface="Courier New" panose="02070309020205020404" pitchFamily="49" charset="0"/>
               </a:rPr>
-              <a:t>    .  Destination IP Address = Source IP Address from Query        .</a:t>
+              <a:t>.  Destination IP Address = Source IP Address from Query        .</a:t>
             </a:r>
           </a:p>
           <a:p>
@@ -7409,7 +7415,7 @@
                 <a:latin typeface="Courier" pitchFamily="2" charset="0"/>
                 <a:cs typeface="Courier New" panose="02070309020205020404" pitchFamily="49" charset="0"/>
               </a:rPr>
-              <a:t>    .  Protocol = UDP                                               .</a:t>
+              <a:t>.  Protocol = UDP                                               .</a:t>
             </a:r>
           </a:p>
           <a:p>
@@ -7418,7 +7424,7 @@
                 <a:latin typeface="Courier" pitchFamily="2" charset="0"/>
                 <a:cs typeface="Courier New" panose="02070309020205020404" pitchFamily="49" charset="0"/>
               </a:rPr>
-              <a:t>    .                                                               .</a:t>
+              <a:t>.                                                               .</a:t>
             </a:r>
           </a:p>
           <a:p>
@@ -7427,7 +7433,7 @@
                 <a:latin typeface="Courier" pitchFamily="2" charset="0"/>
                 <a:cs typeface="Courier New" panose="02070309020205020404" pitchFamily="49" charset="0"/>
               </a:rPr>
-              <a:t>    +---------------------------------------------------------------+</a:t>
+              <a:t>+---------------------------------------------------------------+</a:t>
             </a:r>
           </a:p>
           <a:p>
@@ -7436,7 +7442,7 @@
                 <a:latin typeface="Courier" pitchFamily="2" charset="0"/>
                 <a:cs typeface="Courier New" panose="02070309020205020404" pitchFamily="49" charset="0"/>
               </a:rPr>
-              <a:t>    | UDP Header                                                    |</a:t>
+              <a:t>| UDP Header                                                    |</a:t>
             </a:r>
           </a:p>
           <a:p>
@@ -7445,7 +7451,7 @@
                 <a:latin typeface="Courier" pitchFamily="2" charset="0"/>
                 <a:cs typeface="Courier New" panose="02070309020205020404" pitchFamily="49" charset="0"/>
               </a:rPr>
-              <a:t>    .  Source Port = As chosen by Reflector                         .</a:t>
+              <a:t>.  Source Port = As chosen by Reflector                         .</a:t>
             </a:r>
           </a:p>
           <a:p>
@@ -7454,7 +7460,7 @@
                 <a:latin typeface="Courier" pitchFamily="2" charset="0"/>
                 <a:cs typeface="Courier New" panose="02070309020205020404" pitchFamily="49" charset="0"/>
               </a:rPr>
-              <a:t>    .  Destination Port = Source Port from Query                    .</a:t>
+              <a:t>.  Destination Port = Source Port from Query                    .</a:t>
             </a:r>
           </a:p>
           <a:p>
@@ -7463,7 +7469,7 @@
                 <a:latin typeface="Courier" pitchFamily="2" charset="0"/>
                 <a:cs typeface="Courier New" panose="02070309020205020404" pitchFamily="49" charset="0"/>
               </a:rPr>
-              <a:t>    .                                                               .</a:t>
+              <a:t>.                                                               .</a:t>
             </a:r>
           </a:p>
           <a:p>
@@ -7472,7 +7478,7 @@
                 <a:latin typeface="Courier" pitchFamily="2" charset="0"/>
                 <a:cs typeface="Courier New" panose="02070309020205020404" pitchFamily="49" charset="0"/>
               </a:rPr>
-              <a:t>    +---------------------------------------------------------------+</a:t>
+              <a:t>+---------------------------------------------------------------+</a:t>
             </a:r>
           </a:p>
           <a:p>
@@ -7481,7 +7487,7 @@
                 <a:latin typeface="Courier" pitchFamily="2" charset="0"/>
                 <a:cs typeface="Courier New" panose="02070309020205020404" pitchFamily="49" charset="0"/>
               </a:rPr>
-              <a:t>    | Payload = DM Message specified in Section 4.2.1 of RFC 5357 | |</a:t>
+              <a:t>| Payload = DM Message specified in Section 4.2.1 of RFC 5357 | |</a:t>
             </a:r>
           </a:p>
           <a:p>
@@ -7490,7 +7496,7 @@
                 <a:latin typeface="Courier" pitchFamily="2" charset="0"/>
                 <a:cs typeface="Courier New" panose="02070309020205020404" pitchFamily="49" charset="0"/>
               </a:rPr>
-              <a:t>    . Payload = LM Message specified in this document               .</a:t>
+              <a:t>. Payload = LM Message specified in this document               .</a:t>
             </a:r>
           </a:p>
           <a:p>
@@ -7499,7 +7505,7 @@
                 <a:latin typeface="Courier" pitchFamily="2" charset="0"/>
                 <a:cs typeface="Courier New" panose="02070309020205020404" pitchFamily="49" charset="0"/>
               </a:rPr>
-              <a:t>    .                                                               .</a:t>
+              <a:t>.                                                               .</a:t>
             </a:r>
           </a:p>
           <a:p>
@@ -7508,7 +7514,7 @@
                 <a:latin typeface="Courier" pitchFamily="2" charset="0"/>
                 <a:cs typeface="Courier New" panose="02070309020205020404" pitchFamily="49" charset="0"/>
               </a:rPr>
-              <a:t>    +---------------------------------------------------------------+</a:t>
+              <a:t>+---------------------------------------------------------------+</a:t>
             </a:r>
           </a:p>
           <a:p>
@@ -7526,7 +7532,7 @@
                 <a:latin typeface="Courier" pitchFamily="2" charset="0"/>
                 <a:cs typeface="Courier New" panose="02070309020205020404" pitchFamily="49" charset="0"/>
               </a:rPr>
-              <a:t>                      Figure: Probe Response Message</a:t>
+              <a:t>                  Figure: Probe Response Message</a:t>
             </a:r>
             <a:endParaRPr lang="en-US" sz="1000" dirty="0">
               <a:latin typeface="Courier" pitchFamily="2" charset="0"/>
@@ -9604,6 +9610,16 @@
             <a:r>
               <a:rPr lang="en-US" sz="1400" dirty="0"/>
               <a:t>Links and End-to-end P2P/P2MP SR Paths</a:t>
+            </a:r>
+          </a:p>
+          <a:p>
+            <a:pPr lvl="3">
+              <a:buFont typeface="Wingdings" pitchFamily="2" charset="2"/>
+              <a:buChar char="ü"/>
+            </a:pPr>
+            <a:r>
+              <a:rPr lang="en-US" sz="1400" dirty="0"/>
+              <a:t>Links include physical, virtual, LAG (bundles) and LAG member links</a:t>
             </a:r>
           </a:p>
           <a:p>

--- a/draft-gandhi-spring-twamp-srpm-09.pptx
+++ b/draft-gandhi-spring-twamp-srpm-09.pptx
@@ -260,7 +260,7 @@
           <a:p>
             <a:fld id="{E8FA3DB5-7722-3F4F-947D-12B203669AD7}" type="datetimeFigureOut">
               <a:rPr lang="en-US" smtClean="0"/>
-              <a:t>7/16/20</a:t>
+              <a:t>7/21/20</a:t>
             </a:fld>
             <a:endParaRPr lang="en-US"/>
           </a:p>
@@ -6761,7 +6761,7 @@
             </a:r>
             <a:r>
               <a:rPr lang="en-US" sz="1600" dirty="0"/>
-              <a:t> SR Path including SR Policy, the probe query message is sent on the SR Path including SR Policy with:</a:t>
+              <a:t> SR Policy, the probe query message is sent on the SR Policy with:</a:t>
             </a:r>
           </a:p>
           <a:p>
@@ -7678,7 +7678,7 @@
         </p:nvSpPr>
         <p:spPr>
           <a:xfrm>
-            <a:off x="4724400" y="237697"/>
+            <a:off x="4724400" y="134124"/>
             <a:ext cx="4128052" cy="4647426"/>
           </a:xfrm>
           <a:prstGeom prst="rect">
@@ -8775,7 +8775,12 @@
             <p:ph type="sldNum" sz="quarter" idx="12"/>
           </p:nvPr>
         </p:nvSpPr>
-        <p:spPr/>
+        <p:spPr>
+          <a:xfrm>
+            <a:off x="6553200" y="4781550"/>
+            <a:ext cx="2133600" cy="357188"/>
+          </a:xfrm>
+        </p:spPr>
         <p:txBody>
           <a:bodyPr/>
           <a:lstStyle/>
@@ -10188,8 +10193,21 @@
             </a:r>
             <a:r>
               <a:rPr lang="en-US" sz="1600" i="1" dirty="0"/>
-              <a:t>draft-gandhi-spring-stamp-srpm-00</a:t>
-            </a:r>
+              <a:t>draft-</a:t>
+            </a:r>
+            <a:r>
+              <a:rPr lang="en-US" sz="1600" i="1" dirty="0" err="1"/>
+              <a:t>gandhi</a:t>
+            </a:r>
+            <a:r>
+              <a:rPr lang="en-US" sz="1600" i="1" dirty="0"/>
+              <a:t>-spring-stamp-</a:t>
+            </a:r>
+            <a:r>
+              <a:rPr lang="en-US" sz="1600" i="1" dirty="0" err="1"/>
+              <a:t>srpm</a:t>
+            </a:r>
+            <a:endParaRPr lang="en-US" sz="1600" i="1" dirty="0"/>
           </a:p>
           <a:p>
             <a:pPr marL="800100" lvl="1" indent="-342900">

--- a/draft-gandhi-spring-twamp-srpm-09.pptx
+++ b/draft-gandhi-spring-twamp-srpm-09.pptx
@@ -260,7 +260,7 @@
           <a:p>
             <a:fld id="{E8FA3DB5-7722-3F4F-947D-12B203669AD7}" type="datetimeFigureOut">
               <a:rPr lang="en-US" smtClean="0"/>
-              <a:t>7/21/20</a:t>
+              <a:t>7/24/20</a:t>
             </a:fld>
             <a:endParaRPr lang="en-US"/>
           </a:p>
@@ -6396,7 +6396,7 @@
         </p:nvSpPr>
         <p:spPr>
           <a:xfrm>
-            <a:off x="4267200" y="87235"/>
+            <a:off x="4800600" y="57150"/>
             <a:ext cx="3962400" cy="1823576"/>
           </a:xfrm>
           <a:prstGeom prst="rect">
@@ -6577,7 +6577,7 @@
         <p:spPr bwMode="auto">
           <a:xfrm>
             <a:off x="228600" y="1311623"/>
-            <a:ext cx="3962400" cy="2022127"/>
+            <a:ext cx="4343400" cy="2022127"/>
           </a:xfrm>
           <a:prstGeom prst="rect">
             <a:avLst/>
@@ -6837,7 +6837,7 @@
         </p:nvSpPr>
         <p:spPr>
           <a:xfrm>
-            <a:off x="4267200" y="1973510"/>
+            <a:off x="4800600" y="1972739"/>
             <a:ext cx="3962400" cy="3208571"/>
           </a:xfrm>
           <a:prstGeom prst="rect">
@@ -7291,7 +7291,7 @@
         </p:nvSpPr>
         <p:spPr>
           <a:xfrm>
-            <a:off x="266700" y="742950"/>
+            <a:off x="266700" y="819150"/>
             <a:ext cx="8648700" cy="857250"/>
           </a:xfrm>
         </p:spPr>
@@ -10216,7 +10216,7 @@
             </a:pPr>
             <a:r>
               <a:rPr lang="en-US" sz="1600" dirty="0"/>
-              <a:t>Informational draft - as TWAMP Light is informational, see Appendix I in RFC 5357 and Appendix A RFC 8545</a:t>
+              <a:t>Informational draft - as TWAMP Light is informational, see Appendix I in RFC 5357 and Appendix A in RFC 8545</a:t>
             </a:r>
           </a:p>
           <a:p>

--- a/draft-gandhi-spring-twamp-srpm-09.pptx
+++ b/draft-gandhi-spring-twamp-srpm-09.pptx
@@ -260,7 +260,7 @@
           <a:p>
             <a:fld id="{E8FA3DB5-7722-3F4F-947D-12B203669AD7}" type="datetimeFigureOut">
               <a:rPr lang="en-US" smtClean="0"/>
-              <a:t>7/24/20</a:t>
+              <a:t>7/25/20</a:t>
             </a:fld>
             <a:endParaRPr lang="en-US"/>
           </a:p>
@@ -11535,7 +11535,7 @@
           <a:p>
             <a:r>
               <a:rPr lang="en-US" sz="2400" dirty="0"/>
-              <a:t>In </a:t>
+              <a:t>Request SPRING </a:t>
             </a:r>
             <a:r>
               <a:rPr lang="en-US" sz="2400" dirty="0">
@@ -11543,7 +11543,7 @@
                 <a:ea typeface="Calibri" charset="0"/>
                 <a:cs typeface="Calibri" charset="0"/>
               </a:rPr>
-              <a:t>WG adoption (SPRING WG) queue</a:t>
+              <a:t>WG adoption</a:t>
             </a:r>
           </a:p>
           <a:p>

--- a/draft-gandhi-spring-twamp-srpm-09.pptx
+++ b/draft-gandhi-spring-twamp-srpm-09.pptx
@@ -260,7 +260,7 @@
           <a:p>
             <a:fld id="{E8FA3DB5-7722-3F4F-947D-12B203669AD7}" type="datetimeFigureOut">
               <a:rPr lang="en-US" smtClean="0"/>
-              <a:t>7/25/20</a:t>
+              <a:t>7/31/20</a:t>
             </a:fld>
             <a:endParaRPr lang="en-US"/>
           </a:p>
@@ -5890,7 +5890,7 @@
         <p:spPr>
           <a:xfrm>
             <a:off x="457200" y="741825"/>
-            <a:ext cx="8153400" cy="857250"/>
+            <a:ext cx="8229600" cy="857250"/>
           </a:xfrm>
         </p:spPr>
         <p:txBody>
@@ -5915,13 +5915,13 @@
             </a:r>
             <a:r>
               <a:rPr lang="en-US" sz="1600" dirty="0"/>
-              <a:t> is used for LM probe messages, both in unauthenticated mode.</a:t>
+              <a:t> is used for LM probe messages (unauthenticated mode).</a:t>
             </a:r>
           </a:p>
           <a:p>
             <a:r>
               <a:rPr lang="en-US" sz="1600" dirty="0"/>
-              <a:t>Applicable to physical, virtual, LAG and LAG member links</a:t>
+              <a:t>Applicable to physical, virtual, LAG and LAG member links – probe messages pre-routed over the links</a:t>
             </a:r>
           </a:p>
         </p:txBody>
@@ -6577,7 +6577,7 @@
         <p:spPr bwMode="auto">
           <a:xfrm>
             <a:off x="228600" y="1311623"/>
-            <a:ext cx="4343400" cy="2022127"/>
+            <a:ext cx="4343400" cy="3012727"/>
           </a:xfrm>
           <a:prstGeom prst="rect">
             <a:avLst/>
@@ -6792,6 +6792,50 @@
               <a:t>] with Segment List of SRv6 Policy</a:t>
             </a:r>
           </a:p>
+          <a:p>
+            <a:pPr>
+              <a:buFont typeface="+mj-lt"/>
+              <a:buAutoNum type="arabicPeriod"/>
+            </a:pPr>
+            <a:endParaRPr lang="en-US" sz="1600" dirty="0"/>
+          </a:p>
+          <a:p>
+            <a:pPr marL="0" indent="0">
+              <a:buNone/>
+            </a:pPr>
+            <a:r>
+              <a:rPr lang="en-US" sz="1600" dirty="0"/>
+              <a:t>Same user-configured destination UDP </a:t>
+            </a:r>
+            <a:r>
+              <a:rPr lang="en-US" sz="1600" b="1" dirty="0"/>
+              <a:t>port1</a:t>
+            </a:r>
+            <a:r>
+              <a:rPr lang="en-US" sz="1600" dirty="0"/>
+              <a:t> is used for DM probe messages and </a:t>
+            </a:r>
+            <a:r>
+              <a:rPr lang="en-US" sz="1600" b="1" dirty="0"/>
+              <a:t>port2</a:t>
+            </a:r>
+            <a:r>
+              <a:rPr lang="en-US" sz="1600" dirty="0"/>
+              <a:t> is used for LM </a:t>
+            </a:r>
+            <a:r>
+              <a:rPr lang="en-US" sz="1600"/>
+              <a:t>probe messages (unauthenticated mode).</a:t>
+            </a:r>
+            <a:endParaRPr lang="en-US" sz="1600" dirty="0"/>
+          </a:p>
+          <a:p>
+            <a:pPr>
+              <a:buFont typeface="+mj-lt"/>
+              <a:buAutoNum type="arabicPeriod"/>
+            </a:pPr>
+            <a:endParaRPr lang="en-US" sz="1600" dirty="0"/>
+          </a:p>
         </p:txBody>
       </p:sp>
       <p:sp>
@@ -9644,7 +9688,7 @@
             </a:pPr>
             <a:r>
               <a:rPr lang="en-US" sz="1400" dirty="0"/>
-              <a:t>No need to negotiate UDP port to bootstrap PM session - spirit of SR</a:t>
+              <a:t>No need to signal to bootstrap PM session - spirit of SR</a:t>
             </a:r>
           </a:p>
           <a:p>
@@ -9655,6 +9699,24 @@
             <a:r>
               <a:rPr lang="en-US" sz="1400" dirty="0"/>
               <a:t>Stateless on egress node - spirit of SR </a:t>
+            </a:r>
+          </a:p>
+          <a:p>
+            <a:pPr lvl="2">
+              <a:buFont typeface="Wingdings" charset="2"/>
+              <a:buChar char="ü"/>
+            </a:pPr>
+            <a:r>
+              <a:rPr lang="en-US" sz="1400" dirty="0"/>
+              <a:t>State </a:t>
+            </a:r>
+            <a:r>
+              <a:rPr lang="en-US" sz="1400"/>
+              <a:t>is in the </a:t>
+            </a:r>
+            <a:r>
+              <a:rPr lang="en-US" sz="1400" dirty="0"/>
+              <a:t>probe message</a:t>
             </a:r>
           </a:p>
           <a:p>
@@ -10004,6 +10066,33 @@
               <a:rPr lang="en-US" sz="1200" i="1" dirty="0"/>
               <a:t>-srpm-08</a:t>
             </a:r>
+          </a:p>
+          <a:p>
+            <a:r>
+              <a:rPr lang="en-US" sz="1200" dirty="0"/>
+              <a:t>Jul 2020</a:t>
+            </a:r>
+          </a:p>
+          <a:p>
+            <a:pPr lvl="1"/>
+            <a:r>
+              <a:rPr lang="en-US" sz="1200" dirty="0"/>
+              <a:t>Presented </a:t>
+            </a:r>
+            <a:r>
+              <a:rPr lang="en-US" sz="1200" i="1" dirty="0"/>
+              <a:t>draft-gandhi-spring-twamp-srpm-09</a:t>
+            </a:r>
+            <a:r>
+              <a:rPr lang="en-US" sz="1200" dirty="0"/>
+              <a:t> at IETF 108 in IPPM WG </a:t>
+            </a:r>
+          </a:p>
+          <a:p>
+            <a:pPr marL="457200" lvl="1" indent="0">
+              <a:buNone/>
+            </a:pPr>
+            <a:endParaRPr lang="en-US" sz="1200" i="1" dirty="0"/>
           </a:p>
         </p:txBody>
       </p:sp>
